--- a/WBS.pptx
+++ b/WBS.pptx
@@ -125,7 +125,7 @@
   <pc:docChgLst>
     <pc:chgData name="JOSE MARIA VERGARA PEREZ" userId="16cc29d4-2183-4189-9c5a-09d8099b501f" providerId="ADAL" clId="{E00E5151-80EF-47A7-A36E-0B436C2B5686}"/>
     <pc:docChg chg="undo custSel addSld delSld modSld">
-      <pc:chgData name="JOSE MARIA VERGARA PEREZ" userId="16cc29d4-2183-4189-9c5a-09d8099b501f" providerId="ADAL" clId="{E00E5151-80EF-47A7-A36E-0B436C2B5686}" dt="2021-06-13T10:56:31.595" v="537" actId="13822"/>
+      <pc:chgData name="JOSE MARIA VERGARA PEREZ" userId="16cc29d4-2183-4189-9c5a-09d8099b501f" providerId="ADAL" clId="{E00E5151-80EF-47A7-A36E-0B436C2B5686}" dt="2021-06-13T13:44:30.327" v="912" actId="478"/>
       <pc:docMkLst>
         <pc:docMk/>
       </pc:docMkLst>
@@ -160,7 +160,7 @@
         </pc:sldMkLst>
       </pc:sldChg>
       <pc:sldChg chg="addSp delSp modSp new mod">
-        <pc:chgData name="JOSE MARIA VERGARA PEREZ" userId="16cc29d4-2183-4189-9c5a-09d8099b501f" providerId="ADAL" clId="{E00E5151-80EF-47A7-A36E-0B436C2B5686}" dt="2021-06-13T10:56:31.595" v="537" actId="13822"/>
+        <pc:chgData name="JOSE MARIA VERGARA PEREZ" userId="16cc29d4-2183-4189-9c5a-09d8099b501f" providerId="ADAL" clId="{E00E5151-80EF-47A7-A36E-0B436C2B5686}" dt="2021-06-13T13:44:30.327" v="912" actId="478"/>
         <pc:sldMkLst>
           <pc:docMk/>
           <pc:sldMk cId="2302162107" sldId="258"/>
@@ -206,7 +206,7 @@
           </ac:spMkLst>
         </pc:spChg>
         <pc:spChg chg="add mod">
-          <ac:chgData name="JOSE MARIA VERGARA PEREZ" userId="16cc29d4-2183-4189-9c5a-09d8099b501f" providerId="ADAL" clId="{E00E5151-80EF-47A7-A36E-0B436C2B5686}" dt="2021-06-13T10:55:20.593" v="524" actId="20577"/>
+          <ac:chgData name="JOSE MARIA VERGARA PEREZ" userId="16cc29d4-2183-4189-9c5a-09d8099b501f" providerId="ADAL" clId="{E00E5151-80EF-47A7-A36E-0B436C2B5686}" dt="2021-06-13T13:42:32.665" v="891" actId="113"/>
           <ac:spMkLst>
             <pc:docMk/>
             <pc:sldMk cId="2302162107" sldId="258"/>
@@ -238,7 +238,7 @@
           </ac:spMkLst>
         </pc:spChg>
         <pc:spChg chg="mod">
-          <ac:chgData name="JOSE MARIA VERGARA PEREZ" userId="16cc29d4-2183-4189-9c5a-09d8099b501f" providerId="ADAL" clId="{E00E5151-80EF-47A7-A36E-0B436C2B5686}" dt="2021-06-13T10:55:02.567" v="522" actId="208"/>
+          <ac:chgData name="JOSE MARIA VERGARA PEREZ" userId="16cc29d4-2183-4189-9c5a-09d8099b501f" providerId="ADAL" clId="{E00E5151-80EF-47A7-A36E-0B436C2B5686}" dt="2021-06-13T13:38:23.780" v="774" actId="114"/>
           <ac:spMkLst>
             <pc:docMk/>
             <pc:sldMk cId="2302162107" sldId="258"/>
@@ -254,7 +254,7 @@
           </ac:spMkLst>
         </pc:spChg>
         <pc:spChg chg="mod">
-          <ac:chgData name="JOSE MARIA VERGARA PEREZ" userId="16cc29d4-2183-4189-9c5a-09d8099b501f" providerId="ADAL" clId="{E00E5151-80EF-47A7-A36E-0B436C2B5686}" dt="2021-06-13T10:55:02.567" v="522" actId="208"/>
+          <ac:chgData name="JOSE MARIA VERGARA PEREZ" userId="16cc29d4-2183-4189-9c5a-09d8099b501f" providerId="ADAL" clId="{E00E5151-80EF-47A7-A36E-0B436C2B5686}" dt="2021-06-13T13:39:17.249" v="795" actId="114"/>
           <ac:spMkLst>
             <pc:docMk/>
             <pc:sldMk cId="2302162107" sldId="258"/>
@@ -270,7 +270,7 @@
           </ac:spMkLst>
         </pc:spChg>
         <pc:spChg chg="mod">
-          <ac:chgData name="JOSE MARIA VERGARA PEREZ" userId="16cc29d4-2183-4189-9c5a-09d8099b501f" providerId="ADAL" clId="{E00E5151-80EF-47A7-A36E-0B436C2B5686}" dt="2021-06-13T10:55:02.567" v="522" actId="208"/>
+          <ac:chgData name="JOSE MARIA VERGARA PEREZ" userId="16cc29d4-2183-4189-9c5a-09d8099b501f" providerId="ADAL" clId="{E00E5151-80EF-47A7-A36E-0B436C2B5686}" dt="2021-06-13T13:39:20.880" v="796" actId="114"/>
           <ac:spMkLst>
             <pc:docMk/>
             <pc:sldMk cId="2302162107" sldId="258"/>
@@ -286,7 +286,7 @@
           </ac:spMkLst>
         </pc:spChg>
         <pc:spChg chg="mod">
-          <ac:chgData name="JOSE MARIA VERGARA PEREZ" userId="16cc29d4-2183-4189-9c5a-09d8099b501f" providerId="ADAL" clId="{E00E5151-80EF-47A7-A36E-0B436C2B5686}" dt="2021-06-13T10:55:02.567" v="522" actId="208"/>
+          <ac:chgData name="JOSE MARIA VERGARA PEREZ" userId="16cc29d4-2183-4189-9c5a-09d8099b501f" providerId="ADAL" clId="{E00E5151-80EF-47A7-A36E-0B436C2B5686}" dt="2021-06-13T13:39:23.784" v="797" actId="114"/>
           <ac:spMkLst>
             <pc:docMk/>
             <pc:sldMk cId="2302162107" sldId="258"/>
@@ -302,7 +302,7 @@
           </ac:spMkLst>
         </pc:spChg>
         <pc:spChg chg="mod">
-          <ac:chgData name="JOSE MARIA VERGARA PEREZ" userId="16cc29d4-2183-4189-9c5a-09d8099b501f" providerId="ADAL" clId="{E00E5151-80EF-47A7-A36E-0B436C2B5686}" dt="2021-06-13T10:55:02.567" v="522" actId="208"/>
+          <ac:chgData name="JOSE MARIA VERGARA PEREZ" userId="16cc29d4-2183-4189-9c5a-09d8099b501f" providerId="ADAL" clId="{E00E5151-80EF-47A7-A36E-0B436C2B5686}" dt="2021-06-13T13:38:26.480" v="775" actId="114"/>
           <ac:spMkLst>
             <pc:docMk/>
             <pc:sldMk cId="2302162107" sldId="258"/>
@@ -318,7 +318,7 @@
           </ac:spMkLst>
         </pc:spChg>
         <pc:spChg chg="mod">
-          <ac:chgData name="JOSE MARIA VERGARA PEREZ" userId="16cc29d4-2183-4189-9c5a-09d8099b501f" providerId="ADAL" clId="{E00E5151-80EF-47A7-A36E-0B436C2B5686}" dt="2021-06-13T10:55:02.567" v="522" actId="208"/>
+          <ac:chgData name="JOSE MARIA VERGARA PEREZ" userId="16cc29d4-2183-4189-9c5a-09d8099b501f" providerId="ADAL" clId="{E00E5151-80EF-47A7-A36E-0B436C2B5686}" dt="2021-06-13T13:38:29.332" v="776" actId="114"/>
           <ac:spMkLst>
             <pc:docMk/>
             <pc:sldMk cId="2302162107" sldId="258"/>
@@ -382,7 +382,7 @@
           </ac:spMkLst>
         </pc:spChg>
         <pc:spChg chg="mod">
-          <ac:chgData name="JOSE MARIA VERGARA PEREZ" userId="16cc29d4-2183-4189-9c5a-09d8099b501f" providerId="ADAL" clId="{E00E5151-80EF-47A7-A36E-0B436C2B5686}" dt="2021-06-13T10:55:02.567" v="522" actId="208"/>
+          <ac:chgData name="JOSE MARIA VERGARA PEREZ" userId="16cc29d4-2183-4189-9c5a-09d8099b501f" providerId="ADAL" clId="{E00E5151-80EF-47A7-A36E-0B436C2B5686}" dt="2021-06-13T13:38:21.354" v="773" actId="113"/>
           <ac:spMkLst>
             <pc:docMk/>
             <pc:sldMk cId="2302162107" sldId="258"/>
@@ -398,7 +398,7 @@
           </ac:spMkLst>
         </pc:spChg>
         <pc:spChg chg="mod">
-          <ac:chgData name="JOSE MARIA VERGARA PEREZ" userId="16cc29d4-2183-4189-9c5a-09d8099b501f" providerId="ADAL" clId="{E00E5151-80EF-47A7-A36E-0B436C2B5686}" dt="2021-06-13T10:55:02.567" v="522" actId="208"/>
+          <ac:chgData name="JOSE MARIA VERGARA PEREZ" userId="16cc29d4-2183-4189-9c5a-09d8099b501f" providerId="ADAL" clId="{E00E5151-80EF-47A7-A36E-0B436C2B5686}" dt="2021-06-13T13:39:56.638" v="809" actId="121"/>
           <ac:spMkLst>
             <pc:docMk/>
             <pc:sldMk cId="2302162107" sldId="258"/>
@@ -414,7 +414,7 @@
           </ac:spMkLst>
         </pc:spChg>
         <pc:spChg chg="mod">
-          <ac:chgData name="JOSE MARIA VERGARA PEREZ" userId="16cc29d4-2183-4189-9c5a-09d8099b501f" providerId="ADAL" clId="{E00E5151-80EF-47A7-A36E-0B436C2B5686}" dt="2021-06-13T10:55:02.567" v="522" actId="208"/>
+          <ac:chgData name="JOSE MARIA VERGARA PEREZ" userId="16cc29d4-2183-4189-9c5a-09d8099b501f" providerId="ADAL" clId="{E00E5151-80EF-47A7-A36E-0B436C2B5686}" dt="2021-06-13T13:39:00.811" v="790" actId="114"/>
           <ac:spMkLst>
             <pc:docMk/>
             <pc:sldMk cId="2302162107" sldId="258"/>
@@ -430,7 +430,7 @@
           </ac:spMkLst>
         </pc:spChg>
         <pc:spChg chg="mod">
-          <ac:chgData name="JOSE MARIA VERGARA PEREZ" userId="16cc29d4-2183-4189-9c5a-09d8099b501f" providerId="ADAL" clId="{E00E5151-80EF-47A7-A36E-0B436C2B5686}" dt="2021-06-13T10:55:02.567" v="522" actId="208"/>
+          <ac:chgData name="JOSE MARIA VERGARA PEREZ" userId="16cc29d4-2183-4189-9c5a-09d8099b501f" providerId="ADAL" clId="{E00E5151-80EF-47A7-A36E-0B436C2B5686}" dt="2021-06-13T13:39:04.147" v="791" actId="114"/>
           <ac:spMkLst>
             <pc:docMk/>
             <pc:sldMk cId="2302162107" sldId="258"/>
@@ -446,7 +446,7 @@
           </ac:spMkLst>
         </pc:spChg>
         <pc:spChg chg="mod">
-          <ac:chgData name="JOSE MARIA VERGARA PEREZ" userId="16cc29d4-2183-4189-9c5a-09d8099b501f" providerId="ADAL" clId="{E00E5151-80EF-47A7-A36E-0B436C2B5686}" dt="2021-06-13T10:55:02.567" v="522" actId="208"/>
+          <ac:chgData name="JOSE MARIA VERGARA PEREZ" userId="16cc29d4-2183-4189-9c5a-09d8099b501f" providerId="ADAL" clId="{E00E5151-80EF-47A7-A36E-0B436C2B5686}" dt="2021-06-13T13:39:07.076" v="792" actId="114"/>
           <ac:spMkLst>
             <pc:docMk/>
             <pc:sldMk cId="2302162107" sldId="258"/>
@@ -462,7 +462,7 @@
           </ac:spMkLst>
         </pc:spChg>
         <pc:spChg chg="mod">
-          <ac:chgData name="JOSE MARIA VERGARA PEREZ" userId="16cc29d4-2183-4189-9c5a-09d8099b501f" providerId="ADAL" clId="{E00E5151-80EF-47A7-A36E-0B436C2B5686}" dt="2021-06-13T10:55:02.567" v="522" actId="208"/>
+          <ac:chgData name="JOSE MARIA VERGARA PEREZ" userId="16cc29d4-2183-4189-9c5a-09d8099b501f" providerId="ADAL" clId="{E00E5151-80EF-47A7-A36E-0B436C2B5686}" dt="2021-06-13T13:36:41.557" v="697" actId="121"/>
           <ac:spMkLst>
             <pc:docMk/>
             <pc:sldMk cId="2302162107" sldId="258"/>
@@ -478,7 +478,7 @@
           </ac:spMkLst>
         </pc:spChg>
         <pc:spChg chg="mod">
-          <ac:chgData name="JOSE MARIA VERGARA PEREZ" userId="16cc29d4-2183-4189-9c5a-09d8099b501f" providerId="ADAL" clId="{E00E5151-80EF-47A7-A36E-0B436C2B5686}" dt="2021-06-13T10:55:02.567" v="522" actId="208"/>
+          <ac:chgData name="JOSE MARIA VERGARA PEREZ" userId="16cc29d4-2183-4189-9c5a-09d8099b501f" providerId="ADAL" clId="{E00E5151-80EF-47A7-A36E-0B436C2B5686}" dt="2021-06-13T13:39:10.263" v="793" actId="114"/>
           <ac:spMkLst>
             <pc:docMk/>
             <pc:sldMk cId="2302162107" sldId="258"/>
@@ -494,7 +494,7 @@
           </ac:spMkLst>
         </pc:spChg>
         <pc:spChg chg="mod">
-          <ac:chgData name="JOSE MARIA VERGARA PEREZ" userId="16cc29d4-2183-4189-9c5a-09d8099b501f" providerId="ADAL" clId="{E00E5151-80EF-47A7-A36E-0B436C2B5686}" dt="2021-06-13T10:55:02.567" v="522" actId="208"/>
+          <ac:chgData name="JOSE MARIA VERGARA PEREZ" userId="16cc29d4-2183-4189-9c5a-09d8099b501f" providerId="ADAL" clId="{E00E5151-80EF-47A7-A36E-0B436C2B5686}" dt="2021-06-13T13:39:13.051" v="794" actId="114"/>
           <ac:spMkLst>
             <pc:docMk/>
             <pc:sldMk cId="2302162107" sldId="258"/>
@@ -510,7 +510,7 @@
           </ac:spMkLst>
         </pc:spChg>
         <pc:spChg chg="mod">
-          <ac:chgData name="JOSE MARIA VERGARA PEREZ" userId="16cc29d4-2183-4189-9c5a-09d8099b501f" providerId="ADAL" clId="{E00E5151-80EF-47A7-A36E-0B436C2B5686}" dt="2021-06-13T10:55:49.231" v="532" actId="20577"/>
+          <ac:chgData name="JOSE MARIA VERGARA PEREZ" userId="16cc29d4-2183-4189-9c5a-09d8099b501f" providerId="ADAL" clId="{E00E5151-80EF-47A7-A36E-0B436C2B5686}" dt="2021-06-13T13:40:27.681" v="835" actId="121"/>
           <ac:spMkLst>
             <pc:docMk/>
             <pc:sldMk cId="2302162107" sldId="258"/>
@@ -526,7 +526,7 @@
           </ac:spMkLst>
         </pc:spChg>
         <pc:spChg chg="mod">
-          <ac:chgData name="JOSE MARIA VERGARA PEREZ" userId="16cc29d4-2183-4189-9c5a-09d8099b501f" providerId="ADAL" clId="{E00E5151-80EF-47A7-A36E-0B436C2B5686}" dt="2021-06-13T10:55:02.567" v="522" actId="208"/>
+          <ac:chgData name="JOSE MARIA VERGARA PEREZ" userId="16cc29d4-2183-4189-9c5a-09d8099b501f" providerId="ADAL" clId="{E00E5151-80EF-47A7-A36E-0B436C2B5686}" dt="2021-06-13T13:40:09.322" v="820" actId="121"/>
           <ac:spMkLst>
             <pc:docMk/>
             <pc:sldMk cId="2302162107" sldId="258"/>
@@ -542,7 +542,7 @@
           </ac:spMkLst>
         </pc:spChg>
         <pc:spChg chg="mod">
-          <ac:chgData name="JOSE MARIA VERGARA PEREZ" userId="16cc29d4-2183-4189-9c5a-09d8099b501f" providerId="ADAL" clId="{E00E5151-80EF-47A7-A36E-0B436C2B5686}" dt="2021-06-13T10:55:02.567" v="522" actId="208"/>
+          <ac:chgData name="JOSE MARIA VERGARA PEREZ" userId="16cc29d4-2183-4189-9c5a-09d8099b501f" providerId="ADAL" clId="{E00E5151-80EF-47A7-A36E-0B436C2B5686}" dt="2021-06-13T13:38:56.023" v="789" actId="114"/>
           <ac:spMkLst>
             <pc:docMk/>
             <pc:sldMk cId="2302162107" sldId="258"/>
@@ -558,7 +558,7 @@
           </ac:spMkLst>
         </pc:spChg>
         <pc:spChg chg="mod">
-          <ac:chgData name="JOSE MARIA VERGARA PEREZ" userId="16cc29d4-2183-4189-9c5a-09d8099b501f" providerId="ADAL" clId="{E00E5151-80EF-47A7-A36E-0B436C2B5686}" dt="2021-06-13T10:55:02.567" v="522" actId="208"/>
+          <ac:chgData name="JOSE MARIA VERGARA PEREZ" userId="16cc29d4-2183-4189-9c5a-09d8099b501f" providerId="ADAL" clId="{E00E5151-80EF-47A7-A36E-0B436C2B5686}" dt="2021-06-13T13:42:35.879" v="892" actId="113"/>
           <ac:spMkLst>
             <pc:docMk/>
             <pc:sldMk cId="2302162107" sldId="258"/>
@@ -574,15 +574,15 @@
           </ac:grpSpMkLst>
         </pc:grpChg>
         <pc:grpChg chg="add mod">
-          <ac:chgData name="JOSE MARIA VERGARA PEREZ" userId="16cc29d4-2183-4189-9c5a-09d8099b501f" providerId="ADAL" clId="{E00E5151-80EF-47A7-A36E-0B436C2B5686}" dt="2021-06-13T10:54:46.322" v="521" actId="207"/>
+          <ac:chgData name="JOSE MARIA VERGARA PEREZ" userId="16cc29d4-2183-4189-9c5a-09d8099b501f" providerId="ADAL" clId="{E00E5151-80EF-47A7-A36E-0B436C2B5686}" dt="2021-06-13T13:41:12.876" v="848" actId="1076"/>
           <ac:grpSpMkLst>
             <pc:docMk/>
             <pc:sldMk cId="2302162107" sldId="258"/>
             <ac:grpSpMk id="7" creationId="{B36AD203-6015-4418-8770-DF28139FDB8E}"/>
           </ac:grpSpMkLst>
         </pc:grpChg>
-        <pc:grpChg chg="add mod">
-          <ac:chgData name="JOSE MARIA VERGARA PEREZ" userId="16cc29d4-2183-4189-9c5a-09d8099b501f" providerId="ADAL" clId="{E00E5151-80EF-47A7-A36E-0B436C2B5686}" dt="2021-06-13T10:54:46.322" v="521" actId="207"/>
+        <pc:grpChg chg="add del mod">
+          <ac:chgData name="JOSE MARIA VERGARA PEREZ" userId="16cc29d4-2183-4189-9c5a-09d8099b501f" providerId="ADAL" clId="{E00E5151-80EF-47A7-A36E-0B436C2B5686}" dt="2021-06-13T13:44:30.327" v="912" actId="478"/>
           <ac:grpSpMkLst>
             <pc:docMk/>
             <pc:sldMk cId="2302162107" sldId="258"/>
@@ -630,7 +630,7 @@
           </ac:grpSpMkLst>
         </pc:grpChg>
         <pc:grpChg chg="add mod">
-          <ac:chgData name="JOSE MARIA VERGARA PEREZ" userId="16cc29d4-2183-4189-9c5a-09d8099b501f" providerId="ADAL" clId="{E00E5151-80EF-47A7-A36E-0B436C2B5686}" dt="2021-06-13T10:54:46.322" v="521" actId="207"/>
+          <ac:chgData name="JOSE MARIA VERGARA PEREZ" userId="16cc29d4-2183-4189-9c5a-09d8099b501f" providerId="ADAL" clId="{E00E5151-80EF-47A7-A36E-0B436C2B5686}" dt="2021-06-13T13:35:15.017" v="640" actId="14100"/>
           <ac:grpSpMkLst>
             <pc:docMk/>
             <pc:sldMk cId="2302162107" sldId="258"/>
@@ -662,7 +662,7 @@
           </ac:grpSpMkLst>
         </pc:grpChg>
         <pc:grpChg chg="add mod">
-          <ac:chgData name="JOSE MARIA VERGARA PEREZ" userId="16cc29d4-2183-4189-9c5a-09d8099b501f" providerId="ADAL" clId="{E00E5151-80EF-47A7-A36E-0B436C2B5686}" dt="2021-06-13T10:54:46.322" v="521" actId="207"/>
+          <ac:chgData name="JOSE MARIA VERGARA PEREZ" userId="16cc29d4-2183-4189-9c5a-09d8099b501f" providerId="ADAL" clId="{E00E5151-80EF-47A7-A36E-0B436C2B5686}" dt="2021-06-13T13:38:40.384" v="778" actId="14100"/>
           <ac:grpSpMkLst>
             <pc:docMk/>
             <pc:sldMk cId="2302162107" sldId="258"/>
@@ -670,7 +670,7 @@
           </ac:grpSpMkLst>
         </pc:grpChg>
         <pc:grpChg chg="add mod">
-          <ac:chgData name="JOSE MARIA VERGARA PEREZ" userId="16cc29d4-2183-4189-9c5a-09d8099b501f" providerId="ADAL" clId="{E00E5151-80EF-47A7-A36E-0B436C2B5686}" dt="2021-06-13T10:54:46.322" v="521" actId="207"/>
+          <ac:chgData name="JOSE MARIA VERGARA PEREZ" userId="16cc29d4-2183-4189-9c5a-09d8099b501f" providerId="ADAL" clId="{E00E5151-80EF-47A7-A36E-0B436C2B5686}" dt="2021-06-13T13:39:40.896" v="799" actId="14100"/>
           <ac:grpSpMkLst>
             <pc:docMk/>
             <pc:sldMk cId="2302162107" sldId="258"/>
@@ -686,7 +686,7 @@
           </ac:grpSpMkLst>
         </pc:grpChg>
         <pc:grpChg chg="add mod">
-          <ac:chgData name="JOSE MARIA VERGARA PEREZ" userId="16cc29d4-2183-4189-9c5a-09d8099b501f" providerId="ADAL" clId="{E00E5151-80EF-47A7-A36E-0B436C2B5686}" dt="2021-06-13T10:54:46.322" v="521" actId="207"/>
+          <ac:chgData name="JOSE MARIA VERGARA PEREZ" userId="16cc29d4-2183-4189-9c5a-09d8099b501f" providerId="ADAL" clId="{E00E5151-80EF-47A7-A36E-0B436C2B5686}" dt="2021-06-13T13:36:05.981" v="674" actId="14100"/>
           <ac:grpSpMkLst>
             <pc:docMk/>
             <pc:sldMk cId="2302162107" sldId="258"/>
@@ -694,7 +694,7 @@
           </ac:grpSpMkLst>
         </pc:grpChg>
         <pc:grpChg chg="add mod">
-          <ac:chgData name="JOSE MARIA VERGARA PEREZ" userId="16cc29d4-2183-4189-9c5a-09d8099b501f" providerId="ADAL" clId="{E00E5151-80EF-47A7-A36E-0B436C2B5686}" dt="2021-06-13T10:54:46.322" v="521" actId="207"/>
+          <ac:chgData name="JOSE MARIA VERGARA PEREZ" userId="16cc29d4-2183-4189-9c5a-09d8099b501f" providerId="ADAL" clId="{E00E5151-80EF-47A7-A36E-0B436C2B5686}" dt="2021-06-13T13:36:15.786" v="679" actId="14100"/>
           <ac:grpSpMkLst>
             <pc:docMk/>
             <pc:sldMk cId="2302162107" sldId="258"/>
@@ -710,7 +710,7 @@
           </ac:grpSpMkLst>
         </pc:grpChg>
         <pc:grpChg chg="add mod">
-          <ac:chgData name="JOSE MARIA VERGARA PEREZ" userId="16cc29d4-2183-4189-9c5a-09d8099b501f" providerId="ADAL" clId="{E00E5151-80EF-47A7-A36E-0B436C2B5686}" dt="2021-06-13T10:54:46.322" v="521" actId="207"/>
+          <ac:chgData name="JOSE MARIA VERGARA PEREZ" userId="16cc29d4-2183-4189-9c5a-09d8099b501f" providerId="ADAL" clId="{E00E5151-80EF-47A7-A36E-0B436C2B5686}" dt="2021-06-13T13:36:45.177" v="698" actId="14100"/>
           <ac:grpSpMkLst>
             <pc:docMk/>
             <pc:sldMk cId="2302162107" sldId="258"/>
@@ -718,7 +718,7 @@
           </ac:grpSpMkLst>
         </pc:grpChg>
         <pc:grpChg chg="add mod">
-          <ac:chgData name="JOSE MARIA VERGARA PEREZ" userId="16cc29d4-2183-4189-9c5a-09d8099b501f" providerId="ADAL" clId="{E00E5151-80EF-47A7-A36E-0B436C2B5686}" dt="2021-06-13T10:54:46.322" v="521" actId="207"/>
+          <ac:chgData name="JOSE MARIA VERGARA PEREZ" userId="16cc29d4-2183-4189-9c5a-09d8099b501f" providerId="ADAL" clId="{E00E5151-80EF-47A7-A36E-0B436C2B5686}" dt="2021-06-13T13:36:47.451" v="699" actId="14100"/>
           <ac:grpSpMkLst>
             <pc:docMk/>
             <pc:sldMk cId="2302162107" sldId="258"/>
@@ -750,7 +750,7 @@
           </ac:grpSpMkLst>
         </pc:grpChg>
         <pc:grpChg chg="add mod">
-          <ac:chgData name="JOSE MARIA VERGARA PEREZ" userId="16cc29d4-2183-4189-9c5a-09d8099b501f" providerId="ADAL" clId="{E00E5151-80EF-47A7-A36E-0B436C2B5686}" dt="2021-06-13T10:54:46.322" v="521" actId="207"/>
+          <ac:chgData name="JOSE MARIA VERGARA PEREZ" userId="16cc29d4-2183-4189-9c5a-09d8099b501f" providerId="ADAL" clId="{E00E5151-80EF-47A7-A36E-0B436C2B5686}" dt="2021-06-13T13:41:05.277" v="847" actId="14100"/>
           <ac:grpSpMkLst>
             <pc:docMk/>
             <pc:sldMk cId="2302162107" sldId="258"/>
@@ -758,23 +758,23 @@
           </ac:grpSpMkLst>
         </pc:grpChg>
         <pc:cxnChg chg="add mod">
-          <ac:chgData name="JOSE MARIA VERGARA PEREZ" userId="16cc29d4-2183-4189-9c5a-09d8099b501f" providerId="ADAL" clId="{E00E5151-80EF-47A7-A36E-0B436C2B5686}" dt="2021-06-13T10:55:58.719" v="534" actId="13822"/>
+          <ac:chgData name="JOSE MARIA VERGARA PEREZ" userId="16cc29d4-2183-4189-9c5a-09d8099b501f" providerId="ADAL" clId="{E00E5151-80EF-47A7-A36E-0B436C2B5686}" dt="2021-06-13T13:39:40.896" v="799" actId="14100"/>
           <ac:cxnSpMkLst>
             <pc:docMk/>
             <pc:sldMk cId="2302162107" sldId="258"/>
             <ac:cxnSpMk id="3" creationId="{462910E8-F0A8-4E38-B889-8F7047C6FDC8}"/>
           </ac:cxnSpMkLst>
         </pc:cxnChg>
-        <pc:cxnChg chg="add mod">
-          <ac:chgData name="JOSE MARIA VERGARA PEREZ" userId="16cc29d4-2183-4189-9c5a-09d8099b501f" providerId="ADAL" clId="{E00E5151-80EF-47A7-A36E-0B436C2B5686}" dt="2021-06-13T10:56:27.077" v="536" actId="13822"/>
+        <pc:cxnChg chg="add del mod">
+          <ac:chgData name="JOSE MARIA VERGARA PEREZ" userId="16cc29d4-2183-4189-9c5a-09d8099b501f" providerId="ADAL" clId="{E00E5151-80EF-47A7-A36E-0B436C2B5686}" dt="2021-06-13T13:42:23.174" v="890" actId="478"/>
           <ac:cxnSpMkLst>
             <pc:docMk/>
             <pc:sldMk cId="2302162107" sldId="258"/>
             <ac:cxnSpMk id="11" creationId="{5A98EA9B-F228-4B6E-B867-30C8667FD48C}"/>
           </ac:cxnSpMkLst>
         </pc:cxnChg>
-        <pc:cxnChg chg="add mod">
-          <ac:chgData name="JOSE MARIA VERGARA PEREZ" userId="16cc29d4-2183-4189-9c5a-09d8099b501f" providerId="ADAL" clId="{E00E5151-80EF-47A7-A36E-0B436C2B5686}" dt="2021-06-13T10:56:27.077" v="536" actId="13822"/>
+        <pc:cxnChg chg="add del mod">
+          <ac:chgData name="JOSE MARIA VERGARA PEREZ" userId="16cc29d4-2183-4189-9c5a-09d8099b501f" providerId="ADAL" clId="{E00E5151-80EF-47A7-A36E-0B436C2B5686}" dt="2021-06-13T13:41:37.117" v="854" actId="478"/>
           <ac:cxnSpMkLst>
             <pc:docMk/>
             <pc:sldMk cId="2302162107" sldId="258"/>
@@ -806,11 +806,51 @@
           </ac:cxnSpMkLst>
         </pc:cxnChg>
         <pc:cxnChg chg="add del mod">
+          <ac:chgData name="JOSE MARIA VERGARA PEREZ" userId="16cc29d4-2183-4189-9c5a-09d8099b501f" providerId="ADAL" clId="{E00E5151-80EF-47A7-A36E-0B436C2B5686}" dt="2021-06-13T13:41:41.270" v="858" actId="478"/>
+          <ac:cxnSpMkLst>
+            <pc:docMk/>
+            <pc:sldMk cId="2302162107" sldId="258"/>
+            <ac:cxnSpMk id="44" creationId="{10D4F068-3F9D-4AF6-86EE-A4C5E804D186}"/>
+          </ac:cxnSpMkLst>
+        </pc:cxnChg>
+        <pc:cxnChg chg="add mod">
+          <ac:chgData name="JOSE MARIA VERGARA PEREZ" userId="16cc29d4-2183-4189-9c5a-09d8099b501f" providerId="ADAL" clId="{E00E5151-80EF-47A7-A36E-0B436C2B5686}" dt="2021-06-13T13:42:57.001" v="894" actId="13822"/>
+          <ac:cxnSpMkLst>
+            <pc:docMk/>
+            <pc:sldMk cId="2302162107" sldId="258"/>
+            <ac:cxnSpMk id="48" creationId="{755AF64D-A083-456D-A96C-F227994C141B}"/>
+          </ac:cxnSpMkLst>
+        </pc:cxnChg>
+        <pc:cxnChg chg="add mod">
+          <ac:chgData name="JOSE MARIA VERGARA PEREZ" userId="16cc29d4-2183-4189-9c5a-09d8099b501f" providerId="ADAL" clId="{E00E5151-80EF-47A7-A36E-0B436C2B5686}" dt="2021-06-13T13:43:11.745" v="896" actId="13822"/>
+          <ac:cxnSpMkLst>
+            <pc:docMk/>
+            <pc:sldMk cId="2302162107" sldId="258"/>
+            <ac:cxnSpMk id="50" creationId="{6BC0B7BA-B92F-4C1E-8A3C-854D3FDDF5FF}"/>
+          </ac:cxnSpMkLst>
+        </pc:cxnChg>
+        <pc:cxnChg chg="add del mod">
           <ac:chgData name="JOSE MARIA VERGARA PEREZ" userId="16cc29d4-2183-4189-9c5a-09d8099b501f" providerId="ADAL" clId="{E00E5151-80EF-47A7-A36E-0B436C2B5686}" dt="2021-06-13T10:09:22.055" v="360" actId="478"/>
           <ac:cxnSpMkLst>
             <pc:docMk/>
             <pc:sldMk cId="2302162107" sldId="258"/>
             <ac:cxnSpMk id="52" creationId="{4F756AA0-E49A-4EC2-8E6C-5F4180DEA234}"/>
+          </ac:cxnSpMkLst>
+        </pc:cxnChg>
+        <pc:cxnChg chg="add mod">
+          <ac:chgData name="JOSE MARIA VERGARA PEREZ" userId="16cc29d4-2183-4189-9c5a-09d8099b501f" providerId="ADAL" clId="{E00E5151-80EF-47A7-A36E-0B436C2B5686}" dt="2021-06-13T13:43:23.150" v="898" actId="13822"/>
+          <ac:cxnSpMkLst>
+            <pc:docMk/>
+            <pc:sldMk cId="2302162107" sldId="258"/>
+            <ac:cxnSpMk id="52" creationId="{E4C9A587-7F29-4960-BC09-1F5CB54C8576}"/>
+          </ac:cxnSpMkLst>
+        </pc:cxnChg>
+        <pc:cxnChg chg="add mod">
+          <ac:chgData name="JOSE MARIA VERGARA PEREZ" userId="16cc29d4-2183-4189-9c5a-09d8099b501f" providerId="ADAL" clId="{E00E5151-80EF-47A7-A36E-0B436C2B5686}" dt="2021-06-13T13:43:37.048" v="901" actId="13822"/>
+          <ac:cxnSpMkLst>
+            <pc:docMk/>
+            <pc:sldMk cId="2302162107" sldId="258"/>
+            <ac:cxnSpMk id="54" creationId="{564F6E89-EF7B-491C-991E-5837DCB6EBD9}"/>
           </ac:cxnSpMkLst>
         </pc:cxnChg>
         <pc:cxnChg chg="add del mod">
@@ -830,7 +870,7 @@
           </ac:cxnSpMkLst>
         </pc:cxnChg>
         <pc:cxnChg chg="add mod">
-          <ac:chgData name="JOSE MARIA VERGARA PEREZ" userId="16cc29d4-2183-4189-9c5a-09d8099b501f" providerId="ADAL" clId="{E00E5151-80EF-47A7-A36E-0B436C2B5686}" dt="2021-06-13T10:56:18.273" v="535" actId="13822"/>
+          <ac:chgData name="JOSE MARIA VERGARA PEREZ" userId="16cc29d4-2183-4189-9c5a-09d8099b501f" providerId="ADAL" clId="{E00E5151-80EF-47A7-A36E-0B436C2B5686}" dt="2021-06-13T13:35:15.017" v="640" actId="14100"/>
           <ac:cxnSpMkLst>
             <pc:docMk/>
             <pc:sldMk cId="2302162107" sldId="258"/>
@@ -838,7 +878,7 @@
           </ac:cxnSpMkLst>
         </pc:cxnChg>
         <pc:cxnChg chg="add mod">
-          <ac:chgData name="JOSE MARIA VERGARA PEREZ" userId="16cc29d4-2183-4189-9c5a-09d8099b501f" providerId="ADAL" clId="{E00E5151-80EF-47A7-A36E-0B436C2B5686}" dt="2021-06-13T10:15:12.262" v="455" actId="14100"/>
+          <ac:chgData name="JOSE MARIA VERGARA PEREZ" userId="16cc29d4-2183-4189-9c5a-09d8099b501f" providerId="ADAL" clId="{E00E5151-80EF-47A7-A36E-0B436C2B5686}" dt="2021-06-13T13:36:05.981" v="674" actId="14100"/>
           <ac:cxnSpMkLst>
             <pc:docMk/>
             <pc:sldMk cId="2302162107" sldId="258"/>
@@ -846,7 +886,7 @@
           </ac:cxnSpMkLst>
         </pc:cxnChg>
         <pc:cxnChg chg="add mod">
-          <ac:chgData name="JOSE MARIA VERGARA PEREZ" userId="16cc29d4-2183-4189-9c5a-09d8099b501f" providerId="ADAL" clId="{E00E5151-80EF-47A7-A36E-0B436C2B5686}" dt="2021-06-13T10:56:18.273" v="535" actId="13822"/>
+          <ac:chgData name="JOSE MARIA VERGARA PEREZ" userId="16cc29d4-2183-4189-9c5a-09d8099b501f" providerId="ADAL" clId="{E00E5151-80EF-47A7-A36E-0B436C2B5686}" dt="2021-06-13T13:36:15.786" v="679" actId="14100"/>
           <ac:cxnSpMkLst>
             <pc:docMk/>
             <pc:sldMk cId="2302162107" sldId="258"/>
@@ -854,7 +894,15 @@
           </ac:cxnSpMkLst>
         </pc:cxnChg>
         <pc:cxnChg chg="add mod">
-          <ac:chgData name="JOSE MARIA VERGARA PEREZ" userId="16cc29d4-2183-4189-9c5a-09d8099b501f" providerId="ADAL" clId="{E00E5151-80EF-47A7-A36E-0B436C2B5686}" dt="2021-06-13T10:56:18.273" v="535" actId="13822"/>
+          <ac:chgData name="JOSE MARIA VERGARA PEREZ" userId="16cc29d4-2183-4189-9c5a-09d8099b501f" providerId="ADAL" clId="{E00E5151-80EF-47A7-A36E-0B436C2B5686}" dt="2021-06-13T13:43:55.360" v="904" actId="13822"/>
+          <ac:cxnSpMkLst>
+            <pc:docMk/>
+            <pc:sldMk cId="2302162107" sldId="258"/>
+            <ac:cxnSpMk id="87" creationId="{D79A7A76-D8FD-4843-946D-BD0224BEC22D}"/>
+          </ac:cxnSpMkLst>
+        </pc:cxnChg>
+        <pc:cxnChg chg="add mod">
+          <ac:chgData name="JOSE MARIA VERGARA PEREZ" userId="16cc29d4-2183-4189-9c5a-09d8099b501f" providerId="ADAL" clId="{E00E5151-80EF-47A7-A36E-0B436C2B5686}" dt="2021-06-13T13:35:15.017" v="640" actId="14100"/>
           <ac:cxnSpMkLst>
             <pc:docMk/>
             <pc:sldMk cId="2302162107" sldId="258"/>
@@ -862,7 +910,7 @@
           </ac:cxnSpMkLst>
         </pc:cxnChg>
         <pc:cxnChg chg="add mod">
-          <ac:chgData name="JOSE MARIA VERGARA PEREZ" userId="16cc29d4-2183-4189-9c5a-09d8099b501f" providerId="ADAL" clId="{E00E5151-80EF-47A7-A36E-0B436C2B5686}" dt="2021-06-13T10:15:32.226" v="460" actId="14100"/>
+          <ac:chgData name="JOSE MARIA VERGARA PEREZ" userId="16cc29d4-2183-4189-9c5a-09d8099b501f" providerId="ADAL" clId="{E00E5151-80EF-47A7-A36E-0B436C2B5686}" dt="2021-06-13T13:36:45.177" v="698" actId="14100"/>
           <ac:cxnSpMkLst>
             <pc:docMk/>
             <pc:sldMk cId="2302162107" sldId="258"/>
@@ -870,7 +918,7 @@
           </ac:cxnSpMkLst>
         </pc:cxnChg>
         <pc:cxnChg chg="add mod">
-          <ac:chgData name="JOSE MARIA VERGARA PEREZ" userId="16cc29d4-2183-4189-9c5a-09d8099b501f" providerId="ADAL" clId="{E00E5151-80EF-47A7-A36E-0B436C2B5686}" dt="2021-06-13T10:56:18.273" v="535" actId="13822"/>
+          <ac:chgData name="JOSE MARIA VERGARA PEREZ" userId="16cc29d4-2183-4189-9c5a-09d8099b501f" providerId="ADAL" clId="{E00E5151-80EF-47A7-A36E-0B436C2B5686}" dt="2021-06-13T13:36:47.451" v="699" actId="14100"/>
           <ac:cxnSpMkLst>
             <pc:docMk/>
             <pc:sldMk cId="2302162107" sldId="258"/>
@@ -878,31 +926,47 @@
           </ac:cxnSpMkLst>
         </pc:cxnChg>
         <pc:cxnChg chg="add mod">
-          <ac:chgData name="JOSE MARIA VERGARA PEREZ" userId="16cc29d4-2183-4189-9c5a-09d8099b501f" providerId="ADAL" clId="{E00E5151-80EF-47A7-A36E-0B436C2B5686}" dt="2021-06-13T10:56:27.077" v="536" actId="13822"/>
+          <ac:chgData name="JOSE MARIA VERGARA PEREZ" userId="16cc29d4-2183-4189-9c5a-09d8099b501f" providerId="ADAL" clId="{E00E5151-80EF-47A7-A36E-0B436C2B5686}" dt="2021-06-13T13:44:10.904" v="907" actId="13822"/>
+          <ac:cxnSpMkLst>
+            <pc:docMk/>
+            <pc:sldMk cId="2302162107" sldId="258"/>
+            <ac:cxnSpMk id="93" creationId="{D837A766-9B31-419D-8246-F3F2EA0C2EEB}"/>
+          </ac:cxnSpMkLst>
+        </pc:cxnChg>
+        <pc:cxnChg chg="add del mod">
+          <ac:chgData name="JOSE MARIA VERGARA PEREZ" userId="16cc29d4-2183-4189-9c5a-09d8099b501f" providerId="ADAL" clId="{E00E5151-80EF-47A7-A36E-0B436C2B5686}" dt="2021-06-13T13:44:29.187" v="911" actId="478"/>
           <ac:cxnSpMkLst>
             <pc:docMk/>
             <pc:sldMk cId="2302162107" sldId="258"/>
             <ac:cxnSpMk id="94" creationId="{743AB3D8-5D62-47A3-9BE4-D22BB46D5938}"/>
           </ac:cxnSpMkLst>
         </pc:cxnChg>
-        <pc:cxnChg chg="add">
-          <ac:chgData name="JOSE MARIA VERGARA PEREZ" userId="16cc29d4-2183-4189-9c5a-09d8099b501f" providerId="ADAL" clId="{E00E5151-80EF-47A7-A36E-0B436C2B5686}" dt="2021-06-13T10:16:27.230" v="474" actId="11529"/>
+        <pc:cxnChg chg="add mod">
+          <ac:chgData name="JOSE MARIA VERGARA PEREZ" userId="16cc29d4-2183-4189-9c5a-09d8099b501f" providerId="ADAL" clId="{E00E5151-80EF-47A7-A36E-0B436C2B5686}" dt="2021-06-13T13:44:25.977" v="910" actId="13822"/>
+          <ac:cxnSpMkLst>
+            <pc:docMk/>
+            <pc:sldMk cId="2302162107" sldId="258"/>
+            <ac:cxnSpMk id="103" creationId="{CD404E7B-4114-4290-BF7F-F14273387453}"/>
+          </ac:cxnSpMkLst>
+        </pc:cxnChg>
+        <pc:cxnChg chg="add del mod">
+          <ac:chgData name="JOSE MARIA VERGARA PEREZ" userId="16cc29d4-2183-4189-9c5a-09d8099b501f" providerId="ADAL" clId="{E00E5151-80EF-47A7-A36E-0B436C2B5686}" dt="2021-06-13T13:41:39.492" v="857" actId="478"/>
           <ac:cxnSpMkLst>
             <pc:docMk/>
             <pc:sldMk cId="2302162107" sldId="258"/>
             <ac:cxnSpMk id="107" creationId="{90DE41C8-0D1D-400C-A893-11D4BD8E7256}"/>
           </ac:cxnSpMkLst>
         </pc:cxnChg>
-        <pc:cxnChg chg="add mod">
-          <ac:chgData name="JOSE MARIA VERGARA PEREZ" userId="16cc29d4-2183-4189-9c5a-09d8099b501f" providerId="ADAL" clId="{E00E5151-80EF-47A7-A36E-0B436C2B5686}" dt="2021-06-13T10:56:18.273" v="535" actId="13822"/>
+        <pc:cxnChg chg="add del mod">
+          <ac:chgData name="JOSE MARIA VERGARA PEREZ" userId="16cc29d4-2183-4189-9c5a-09d8099b501f" providerId="ADAL" clId="{E00E5151-80EF-47A7-A36E-0B436C2B5686}" dt="2021-06-13T13:41:38.735" v="856" actId="478"/>
           <ac:cxnSpMkLst>
             <pc:docMk/>
             <pc:sldMk cId="2302162107" sldId="258"/>
             <ac:cxnSpMk id="109" creationId="{23345E2B-019E-4DB9-87C4-32A031A8FF3F}"/>
           </ac:cxnSpMkLst>
         </pc:cxnChg>
-        <pc:cxnChg chg="add mod">
-          <ac:chgData name="JOSE MARIA VERGARA PEREZ" userId="16cc29d4-2183-4189-9c5a-09d8099b501f" providerId="ADAL" clId="{E00E5151-80EF-47A7-A36E-0B436C2B5686}" dt="2021-06-13T10:56:18.273" v="535" actId="13822"/>
+        <pc:cxnChg chg="add del mod">
+          <ac:chgData name="JOSE MARIA VERGARA PEREZ" userId="16cc29d4-2183-4189-9c5a-09d8099b501f" providerId="ADAL" clId="{E00E5151-80EF-47A7-A36E-0B436C2B5686}" dt="2021-06-13T13:41:38.044" v="855" actId="478"/>
           <ac:cxnSpMkLst>
             <pc:docMk/>
             <pc:sldMk cId="2302162107" sldId="258"/>
@@ -910,7 +974,7 @@
           </ac:cxnSpMkLst>
         </pc:cxnChg>
         <pc:cxnChg chg="add mod">
-          <ac:chgData name="JOSE MARIA VERGARA PEREZ" userId="16cc29d4-2183-4189-9c5a-09d8099b501f" providerId="ADAL" clId="{E00E5151-80EF-47A7-A36E-0B436C2B5686}" dt="2021-06-13T10:56:18.273" v="535" actId="13822"/>
+          <ac:chgData name="JOSE MARIA VERGARA PEREZ" userId="16cc29d4-2183-4189-9c5a-09d8099b501f" providerId="ADAL" clId="{E00E5151-80EF-47A7-A36E-0B436C2B5686}" dt="2021-06-13T13:38:40.384" v="778" actId="14100"/>
           <ac:cxnSpMkLst>
             <pc:docMk/>
             <pc:sldMk cId="2302162107" sldId="258"/>
@@ -918,15 +982,15 @@
           </ac:cxnSpMkLst>
         </pc:cxnChg>
         <pc:cxnChg chg="add mod">
-          <ac:chgData name="JOSE MARIA VERGARA PEREZ" userId="16cc29d4-2183-4189-9c5a-09d8099b501f" providerId="ADAL" clId="{E00E5151-80EF-47A7-A36E-0B436C2B5686}" dt="2021-06-13T10:56:18.273" v="535" actId="13822"/>
+          <ac:chgData name="JOSE MARIA VERGARA PEREZ" userId="16cc29d4-2183-4189-9c5a-09d8099b501f" providerId="ADAL" clId="{E00E5151-80EF-47A7-A36E-0B436C2B5686}" dt="2021-06-13T13:39:40.896" v="799" actId="14100"/>
           <ac:cxnSpMkLst>
             <pc:docMk/>
             <pc:sldMk cId="2302162107" sldId="258"/>
             <ac:cxnSpMk id="115" creationId="{7910BCC6-9576-470C-BCDF-FCE714BE990B}"/>
           </ac:cxnSpMkLst>
         </pc:cxnChg>
-        <pc:cxnChg chg="add mod">
-          <ac:chgData name="JOSE MARIA VERGARA PEREZ" userId="16cc29d4-2183-4189-9c5a-09d8099b501f" providerId="ADAL" clId="{E00E5151-80EF-47A7-A36E-0B436C2B5686}" dt="2021-06-13T10:56:27.077" v="536" actId="13822"/>
+        <pc:cxnChg chg="add del mod">
+          <ac:chgData name="JOSE MARIA VERGARA PEREZ" userId="16cc29d4-2183-4189-9c5a-09d8099b501f" providerId="ADAL" clId="{E00E5151-80EF-47A7-A36E-0B436C2B5686}" dt="2021-06-13T13:42:22.326" v="889" actId="478"/>
           <ac:cxnSpMkLst>
             <pc:docMk/>
             <pc:sldMk cId="2302162107" sldId="258"/>
@@ -4311,7 +4375,7 @@
         </p:nvGrpSpPr>
         <p:grpSpPr>
           <a:xfrm>
-            <a:off x="2860135" y="1574505"/>
+            <a:off x="2860134" y="1485657"/>
             <a:ext cx="841853" cy="405216"/>
             <a:chOff x="3276378" y="346098"/>
             <a:chExt cx="482458" cy="241229"/>
@@ -4423,7 +4487,7 @@
                 <a:buNone/>
               </a:pPr>
               <a:r>
-                <a:rPr lang="es-ES" sz="1200" kern="1200" dirty="0">
+                <a:rPr lang="es-ES" sz="1200" b="1" kern="1200" dirty="0">
                   <a:solidFill>
                     <a:schemeClr val="tx1"/>
                   </a:solidFill>
@@ -4434,162 +4498,8 @@
                 <a:t>Plataforma</a:t>
               </a:r>
             </a:p>
-          </p:txBody>
-        </p:sp>
-      </p:grpSp>
-      <p:cxnSp>
-        <p:nvCxnSpPr>
-          <p:cNvPr id="11" name="Conector: angular 10">
-            <a:extLst>
-              <a:ext uri="{FF2B5EF4-FFF2-40B4-BE49-F238E27FC236}">
-                <a16:creationId xmlns:a16="http://schemas.microsoft.com/office/drawing/2014/main" id="{5A98EA9B-F228-4B6E-B867-30C8667FD48C}"/>
-              </a:ext>
-            </a:extLst>
-          </p:cNvPr>
-          <p:cNvCxnSpPr>
-            <a:stCxn id="6" idx="2"/>
-            <a:endCxn id="9" idx="0"/>
-          </p:cNvCxnSpPr>
-          <p:nvPr/>
-        </p:nvCxnSpPr>
-        <p:spPr>
-          <a:xfrm rot="5400000">
-            <a:off x="4320000" y="61894"/>
-            <a:ext cx="473674" cy="2551549"/>
-          </a:xfrm>
-          <a:prstGeom prst="bentConnector3">
-            <a:avLst/>
-          </a:prstGeom>
-        </p:spPr>
-        <p:style>
-          <a:lnRef idx="1">
-            <a:schemeClr val="dk1"/>
-          </a:lnRef>
-          <a:fillRef idx="0">
-            <a:schemeClr val="dk1"/>
-          </a:fillRef>
-          <a:effectRef idx="0">
-            <a:schemeClr val="dk1"/>
-          </a:effectRef>
-          <a:fontRef idx="minor">
-            <a:schemeClr val="tx1"/>
-          </a:fontRef>
-        </p:style>
-      </p:cxnSp>
-      <p:grpSp>
-        <p:nvGrpSpPr>
-          <p:cNvPr id="12" name="Grupo 11">
-            <a:extLst>
-              <a:ext uri="{FF2B5EF4-FFF2-40B4-BE49-F238E27FC236}">
-                <a16:creationId xmlns:a16="http://schemas.microsoft.com/office/drawing/2014/main" id="{10176340-D7AC-476B-BADD-46615A7FF7EB}"/>
-              </a:ext>
-            </a:extLst>
-          </p:cNvPr>
-          <p:cNvGrpSpPr/>
-          <p:nvPr/>
-        </p:nvGrpSpPr>
-        <p:grpSpPr>
-          <a:xfrm>
-            <a:off x="8430774" y="549197"/>
-            <a:ext cx="1043179" cy="537987"/>
-            <a:chOff x="3276378" y="346098"/>
-            <a:chExt cx="482458" cy="241229"/>
-          </a:xfrm>
-          <a:noFill/>
-        </p:grpSpPr>
-        <p:sp>
-          <p:nvSpPr>
-            <p:cNvPr id="13" name="Rectángulo 12">
-              <a:extLst>
-                <a:ext uri="{FF2B5EF4-FFF2-40B4-BE49-F238E27FC236}">
-                  <a16:creationId xmlns:a16="http://schemas.microsoft.com/office/drawing/2014/main" id="{430C146F-9CFB-4A34-991E-DA2A5F333C56}"/>
-                </a:ext>
-              </a:extLst>
-            </p:cNvPr>
-            <p:cNvSpPr/>
-            <p:nvPr/>
-          </p:nvSpPr>
-          <p:spPr>
-            <a:xfrm>
-              <a:off x="3276378" y="346098"/>
-              <a:ext cx="482458" cy="241229"/>
-            </a:xfrm>
-            <a:prstGeom prst="rect">
-              <a:avLst/>
-            </a:prstGeom>
-            <a:grpFill/>
-            <a:ln w="12700" cap="flat" cmpd="sng" algn="ctr">
-              <a:solidFill>
-                <a:schemeClr val="tx1"/>
-              </a:solidFill>
-              <a:prstDash val="solid"/>
-              <a:miter lim="800000"/>
-            </a:ln>
-            <a:effectLst/>
-          </p:spPr>
-          <p:style>
-            <a:lnRef idx="2">
-              <a:scrgbClr r="0" g="0" b="0"/>
-            </a:lnRef>
-            <a:fillRef idx="1">
-              <a:scrgbClr r="0" g="0" b="0"/>
-            </a:fillRef>
-            <a:effectRef idx="0">
-              <a:scrgbClr r="0" g="0" b="0"/>
-            </a:effectRef>
-            <a:fontRef idx="minor">
-              <a:schemeClr val="lt1"/>
-            </a:fontRef>
-          </p:style>
-        </p:sp>
-        <p:sp>
-          <p:nvSpPr>
-            <p:cNvPr id="14" name="CuadroTexto 13">
-              <a:extLst>
-                <a:ext uri="{FF2B5EF4-FFF2-40B4-BE49-F238E27FC236}">
-                  <a16:creationId xmlns:a16="http://schemas.microsoft.com/office/drawing/2014/main" id="{38ED9A45-79D2-4E67-BC75-96C2EC905E51}"/>
-                </a:ext>
-              </a:extLst>
-            </p:cNvPr>
-            <p:cNvSpPr txBox="1"/>
-            <p:nvPr/>
-          </p:nvSpPr>
-          <p:spPr>
-            <a:xfrm>
-              <a:off x="3276378" y="346098"/>
-              <a:ext cx="482458" cy="241229"/>
-            </a:xfrm>
-            <a:prstGeom prst="rect">
-              <a:avLst/>
-            </a:prstGeom>
-            <a:grpFill/>
-            <a:ln>
-              <a:solidFill>
-                <a:schemeClr val="tx1"/>
-              </a:solidFill>
-            </a:ln>
-          </p:spPr>
-          <p:style>
-            <a:lnRef idx="0">
-              <a:scrgbClr r="0" g="0" b="0"/>
-            </a:lnRef>
-            <a:fillRef idx="0">
-              <a:scrgbClr r="0" g="0" b="0"/>
-            </a:fillRef>
-            <a:effectRef idx="0">
-              <a:scrgbClr r="0" g="0" b="0"/>
-            </a:effectRef>
-            <a:fontRef idx="minor">
-              <a:schemeClr val="lt1"/>
-            </a:fontRef>
-          </p:style>
-          <p:txBody>
-            <a:bodyPr spcFirstLastPara="0" vert="horz" wrap="square" lIns="4445" tIns="4445" rIns="4445" bIns="4445" numCol="1" spcCol="1270" anchor="ctr" anchorCtr="0">
-              <a:noAutofit/>
-            </a:bodyPr>
-            <a:lstStyle/>
             <a:p>
-              <a:pPr marL="0" lvl="0" indent="0" algn="ctr" defTabSz="222250">
+              <a:pPr marL="0" lvl="0" indent="0" algn="r" defTabSz="222250">
                 <a:lnSpc>
                   <a:spcPct val="90000"/>
                 </a:lnSpc>
@@ -4602,20 +4512,15 @@
                 <a:buNone/>
               </a:pPr>
               <a:r>
-                <a:rPr lang="es-ES" sz="1050" kern="1200" dirty="0">
+                <a:rPr lang="es-ES" sz="700" i="1" kern="1200" dirty="0">
                   <a:solidFill>
                     <a:schemeClr val="tx1"/>
                   </a:solidFill>
+                  <a:latin typeface="Calibri" panose="020F0502020204030204"/>
+                  <a:ea typeface="+mn-ea"/>
+                  <a:cs typeface="+mn-cs"/>
                 </a:rPr>
-                <a:t>Estación</a:t>
-              </a:r>
-              <a:r>
-                <a:rPr lang="en-US" sz="1050" kern="1200" noProof="0" dirty="0">
-                  <a:solidFill>
-                    <a:schemeClr val="tx1"/>
-                  </a:solidFill>
-                </a:rPr>
-                <a:t> de Tierra</a:t>
+                <a:t>PLT</a:t>
               </a:r>
             </a:p>
           </p:txBody>
@@ -4746,7 +4651,7 @@
                 </a:spcAft>
               </a:pPr>
               <a:r>
-                <a:rPr lang="en-US" sz="1000" dirty="0">
+                <a:rPr lang="en-US" sz="1000" b="1" dirty="0" err="1">
                   <a:solidFill>
                     <a:schemeClr val="tx1"/>
                   </a:solidFill>
@@ -4754,9 +4659,39 @@
                   <a:ea typeface="+mn-ea"/>
                   <a:cs typeface="+mn-cs"/>
                 </a:rPr>
+                <a:t>Potencia</a:t>
+              </a:r>
+              <a:endParaRPr lang="en-US" sz="1000" b="1" dirty="0">
+                <a:solidFill>
+                  <a:schemeClr val="tx1"/>
+                </a:solidFill>
+                <a:latin typeface="Calibri" panose="020F0502020204030204"/>
+                <a:ea typeface="+mn-ea"/>
+                <a:cs typeface="+mn-cs"/>
+              </a:endParaRPr>
+            </a:p>
+            <a:p>
+              <a:pPr algn="r" defTabSz="222250">
+                <a:lnSpc>
+                  <a:spcPct val="90000"/>
+                </a:lnSpc>
+                <a:spcBef>
+                  <a:spcPct val="0"/>
+                </a:spcBef>
+                <a:spcAft>
+                  <a:spcPct val="35000"/>
+                </a:spcAft>
+              </a:pPr>
+              <a:r>
+                <a:rPr lang="en-US" sz="700" i="1" kern="1200" noProof="0" dirty="0">
+                  <a:solidFill>
+                    <a:schemeClr val="tx1"/>
+                  </a:solidFill>
+                  <a:latin typeface="Calibri" panose="020F0502020204030204"/>
+                </a:rPr>
                 <a:t>EPS</a:t>
               </a:r>
-              <a:endParaRPr lang="en-US" sz="1000" kern="1200" noProof="0" dirty="0">
+              <a:endParaRPr lang="en-US" sz="700" i="1" kern="1200" noProof="0" dirty="0">
                 <a:solidFill>
                   <a:schemeClr val="tx1"/>
                 </a:solidFill>
@@ -4924,6 +4859,36 @@
                   <a:schemeClr val="tx1"/>
                 </a:solidFill>
                 <a:latin typeface="Calibri" panose="020F0502020204030204"/>
+              </a:endParaRPr>
+            </a:p>
+            <a:p>
+              <a:pPr algn="r" defTabSz="222250">
+                <a:lnSpc>
+                  <a:spcPct val="90000"/>
+                </a:lnSpc>
+                <a:spcBef>
+                  <a:spcPct val="0"/>
+                </a:spcBef>
+                <a:spcAft>
+                  <a:spcPct val="35000"/>
+                </a:spcAft>
+              </a:pPr>
+              <a:r>
+                <a:rPr lang="en-US" sz="700" i="1" dirty="0">
+                  <a:solidFill>
+                    <a:schemeClr val="tx1"/>
+                  </a:solidFill>
+                  <a:latin typeface="Calibri" panose="020F0502020204030204"/>
+                  <a:ea typeface="+mn-ea"/>
+                  <a:cs typeface="+mn-cs"/>
+                </a:rPr>
+                <a:t>EPS 1</a:t>
+              </a:r>
+              <a:endParaRPr lang="en-US" sz="700" i="1" kern="1200" noProof="0" dirty="0">
+                <a:solidFill>
+                  <a:schemeClr val="tx1"/>
+                </a:solidFill>
+                <a:latin typeface="Calibri" panose="020F0502020204030204"/>
                 <a:ea typeface="+mn-ea"/>
                 <a:cs typeface="+mn-cs"/>
               </a:endParaRPr>
@@ -5069,6 +5034,36 @@
                   <a:schemeClr val="tx1"/>
                 </a:solidFill>
                 <a:latin typeface="Calibri" panose="020F0502020204030204"/>
+              </a:endParaRPr>
+            </a:p>
+            <a:p>
+              <a:pPr algn="r" defTabSz="222250">
+                <a:lnSpc>
+                  <a:spcPct val="90000"/>
+                </a:lnSpc>
+                <a:spcBef>
+                  <a:spcPct val="0"/>
+                </a:spcBef>
+                <a:spcAft>
+                  <a:spcPct val="35000"/>
+                </a:spcAft>
+              </a:pPr>
+              <a:r>
+                <a:rPr lang="en-US" sz="700" i="1" dirty="0">
+                  <a:solidFill>
+                    <a:schemeClr val="tx1"/>
+                  </a:solidFill>
+                  <a:latin typeface="Calibri" panose="020F0502020204030204"/>
+                  <a:ea typeface="+mn-ea"/>
+                  <a:cs typeface="+mn-cs"/>
+                </a:rPr>
+                <a:t>EPS 2</a:t>
+              </a:r>
+              <a:endParaRPr lang="en-US" sz="700" i="1" kern="1200" noProof="0" dirty="0">
+                <a:solidFill>
+                  <a:schemeClr val="tx1"/>
+                </a:solidFill>
+                <a:latin typeface="Calibri" panose="020F0502020204030204"/>
                 <a:ea typeface="+mn-ea"/>
                 <a:cs typeface="+mn-cs"/>
               </a:endParaRPr>
@@ -5222,49 +5217,48 @@
                 </a:rPr>
                 <a:t> DC/DC</a:t>
               </a:r>
+              <a:endParaRPr lang="en-US" sz="1000" i="1" kern="1200" noProof="0" dirty="0">
+                <a:solidFill>
+                  <a:schemeClr val="tx1"/>
+                </a:solidFill>
+                <a:latin typeface="Calibri" panose="020F0502020204030204"/>
+                <a:ea typeface="+mn-ea"/>
+                <a:cs typeface="+mn-cs"/>
+              </a:endParaRPr>
+            </a:p>
+            <a:p>
+              <a:pPr algn="r" defTabSz="222250">
+                <a:lnSpc>
+                  <a:spcPct val="90000"/>
+                </a:lnSpc>
+                <a:spcBef>
+                  <a:spcPct val="0"/>
+                </a:spcBef>
+                <a:spcAft>
+                  <a:spcPct val="35000"/>
+                </a:spcAft>
+              </a:pPr>
+              <a:r>
+                <a:rPr lang="en-US" sz="700" i="1" dirty="0">
+                  <a:solidFill>
+                    <a:schemeClr val="tx1"/>
+                  </a:solidFill>
+                  <a:latin typeface="Calibri" panose="020F0502020204030204"/>
+                </a:rPr>
+                <a:t>EPS 3</a:t>
+              </a:r>
+              <a:endParaRPr lang="en-US" sz="700" i="1" kern="1200" noProof="0" dirty="0">
+                <a:solidFill>
+                  <a:schemeClr val="tx1"/>
+                </a:solidFill>
+                <a:latin typeface="Calibri" panose="020F0502020204030204"/>
+                <a:ea typeface="+mn-ea"/>
+                <a:cs typeface="+mn-cs"/>
+              </a:endParaRPr>
             </a:p>
           </p:txBody>
         </p:sp>
       </p:grpSp>
-      <p:cxnSp>
-        <p:nvCxnSpPr>
-          <p:cNvPr id="28" name="Conector: angular 27">
-            <a:extLst>
-              <a:ext uri="{FF2B5EF4-FFF2-40B4-BE49-F238E27FC236}">
-                <a16:creationId xmlns:a16="http://schemas.microsoft.com/office/drawing/2014/main" id="{CD4B746B-AE2F-418B-BCE3-D7BAC0E48E34}"/>
-              </a:ext>
-            </a:extLst>
-          </p:cNvPr>
-          <p:cNvCxnSpPr>
-            <a:stCxn id="9" idx="2"/>
-            <a:endCxn id="17" idx="0"/>
-          </p:cNvCxnSpPr>
-          <p:nvPr/>
-        </p:nvCxnSpPr>
-        <p:spPr>
-          <a:xfrm rot="5400000">
-            <a:off x="1833753" y="1225232"/>
-            <a:ext cx="692820" cy="2201799"/>
-          </a:xfrm>
-          <a:prstGeom prst="bentConnector3">
-            <a:avLst/>
-          </a:prstGeom>
-        </p:spPr>
-        <p:style>
-          <a:lnRef idx="1">
-            <a:schemeClr val="dk1"/>
-          </a:lnRef>
-          <a:fillRef idx="0">
-            <a:schemeClr val="dk1"/>
-          </a:fillRef>
-          <a:effectRef idx="0">
-            <a:schemeClr val="dk1"/>
-          </a:effectRef>
-          <a:fontRef idx="minor">
-            <a:schemeClr val="tx1"/>
-          </a:fontRef>
-        </p:style>
-      </p:cxnSp>
       <p:cxnSp>
         <p:nvCxnSpPr>
           <p:cNvPr id="30" name="Conector: angular 29">
@@ -5508,14 +5502,43 @@
                 </a:spcAft>
               </a:pPr>
               <a:r>
-                <a:rPr lang="en-US" sz="1000" kern="1200" noProof="0" dirty="0" err="1">
+                <a:rPr lang="en-US" sz="1000" b="1" kern="1200" noProof="0" dirty="0" err="1">
                   <a:solidFill>
                     <a:schemeClr val="tx1"/>
                   </a:solidFill>
                 </a:rPr>
                 <a:t>Estructura</a:t>
               </a:r>
-              <a:endParaRPr lang="en-US" sz="1000" kern="1200" noProof="0" dirty="0">
+              <a:endParaRPr lang="en-US" sz="1000" b="1" kern="1200" noProof="0" dirty="0">
+                <a:solidFill>
+                  <a:schemeClr val="tx1"/>
+                </a:solidFill>
+              </a:endParaRPr>
+            </a:p>
+            <a:p>
+              <a:pPr algn="r" defTabSz="222250">
+                <a:lnSpc>
+                  <a:spcPct val="90000"/>
+                </a:lnSpc>
+                <a:spcBef>
+                  <a:spcPct val="0"/>
+                </a:spcBef>
+                <a:spcAft>
+                  <a:spcPct val="35000"/>
+                </a:spcAft>
+              </a:pPr>
+              <a:r>
+                <a:rPr lang="en-US" sz="700" i="1" dirty="0">
+                  <a:solidFill>
+                    <a:schemeClr val="tx1"/>
+                  </a:solidFill>
+                  <a:latin typeface="Calibri" panose="020F0502020204030204"/>
+                  <a:ea typeface="+mn-ea"/>
+                  <a:cs typeface="+mn-cs"/>
+                </a:rPr>
+                <a:t>STC </a:t>
+              </a:r>
+              <a:endParaRPr lang="en-US" sz="700" i="1" kern="1200" noProof="0" dirty="0">
                 <a:solidFill>
                   <a:schemeClr val="tx1"/>
                 </a:solidFill>
@@ -5541,8 +5564,8 @@
         </p:nvGrpSpPr>
         <p:grpSpPr>
           <a:xfrm>
-            <a:off x="4431306" y="2674734"/>
-            <a:ext cx="896859" cy="300732"/>
+            <a:off x="4431306" y="2496814"/>
+            <a:ext cx="1009414" cy="509032"/>
             <a:chOff x="3276378" y="346098"/>
             <a:chExt cx="482458" cy="241229"/>
           </a:xfrm>
@@ -5652,14 +5675,69 @@
                 </a:spcAft>
               </a:pPr>
               <a:r>
-                <a:rPr lang="en-US" sz="1000" kern="1200" noProof="0" dirty="0">
+                <a:rPr lang="en-US" sz="1000" b="1" dirty="0" err="1">
                   <a:solidFill>
                     <a:schemeClr val="tx1"/>
                   </a:solidFill>
+                  <a:latin typeface="Calibri" panose="020F0502020204030204"/>
+                  <a:ea typeface="+mn-ea"/>
+                  <a:cs typeface="+mn-cs"/>
+                </a:rPr>
+                <a:t>Determinación</a:t>
+              </a:r>
+              <a:r>
+                <a:rPr lang="en-US" sz="1000" b="1" dirty="0">
+                  <a:solidFill>
+                    <a:schemeClr val="tx1"/>
+                  </a:solidFill>
+                  <a:latin typeface="Calibri" panose="020F0502020204030204"/>
+                  <a:ea typeface="+mn-ea"/>
+                  <a:cs typeface="+mn-cs"/>
+                </a:rPr>
+                <a:t> y Control de </a:t>
+              </a:r>
+              <a:r>
+                <a:rPr lang="en-US" sz="1000" b="1" dirty="0" err="1">
+                  <a:solidFill>
+                    <a:schemeClr val="tx1"/>
+                  </a:solidFill>
+                  <a:latin typeface="Calibri" panose="020F0502020204030204"/>
+                  <a:ea typeface="+mn-ea"/>
+                  <a:cs typeface="+mn-cs"/>
+                </a:rPr>
+                <a:t>Actitud</a:t>
+              </a:r>
+              <a:endParaRPr lang="en-US" sz="1000" b="1" dirty="0">
+                <a:solidFill>
+                  <a:schemeClr val="tx1"/>
+                </a:solidFill>
+                <a:latin typeface="Calibri" panose="020F0502020204030204"/>
+                <a:ea typeface="+mn-ea"/>
+                <a:cs typeface="+mn-cs"/>
+              </a:endParaRPr>
+            </a:p>
+            <a:p>
+              <a:pPr algn="r" defTabSz="222250">
+                <a:lnSpc>
+                  <a:spcPct val="90000"/>
+                </a:lnSpc>
+                <a:spcBef>
+                  <a:spcPct val="0"/>
+                </a:spcBef>
+                <a:spcAft>
+                  <a:spcPct val="35000"/>
+                </a:spcAft>
+              </a:pPr>
+              <a:r>
+                <a:rPr lang="en-US" sz="700" i="1" kern="1200" noProof="0" dirty="0">
+                  <a:solidFill>
+                    <a:schemeClr val="tx1"/>
+                  </a:solidFill>
+                  <a:latin typeface="Calibri" panose="020F0502020204030204"/>
                 </a:rPr>
                 <a:t>ADCS</a:t>
               </a:r>
-              <a:endParaRPr lang="en-US" sz="1000" kern="1200" noProof="0" dirty="0">
+              <a:endParaRPr lang="en-US" sz="700" i="1" kern="1200" noProof="0" dirty="0">
                 <a:solidFill>
                   <a:schemeClr val="tx1"/>
                 </a:solidFill>
@@ -5685,8 +5763,8 @@
         </p:nvGrpSpPr>
         <p:grpSpPr>
           <a:xfrm>
-            <a:off x="6337580" y="2666603"/>
-            <a:ext cx="896860" cy="308862"/>
+            <a:off x="6096000" y="2572512"/>
+            <a:ext cx="1310089" cy="400761"/>
             <a:chOff x="3276378" y="346098"/>
             <a:chExt cx="482458" cy="241229"/>
           </a:xfrm>
@@ -5796,21 +5874,80 @@
                 </a:spcAft>
               </a:pPr>
               <a:r>
-                <a:rPr lang="en-US" sz="1000" kern="1200" noProof="0" dirty="0">
+                <a:rPr lang="en-US" sz="1000" b="1" dirty="0" err="1">
                   <a:solidFill>
                     <a:schemeClr val="tx1"/>
                   </a:solidFill>
+                  <a:latin typeface="Calibri" panose="020F0502020204030204"/>
+                  <a:ea typeface="+mn-ea"/>
+                  <a:cs typeface="+mn-cs"/>
+                </a:rPr>
+                <a:t>Ordenador</a:t>
+              </a:r>
+              <a:r>
+                <a:rPr lang="en-US" sz="1000" b="1" dirty="0">
+                  <a:solidFill>
+                    <a:schemeClr val="tx1"/>
+                  </a:solidFill>
+                  <a:latin typeface="Calibri" panose="020F0502020204030204"/>
+                  <a:ea typeface="+mn-ea"/>
+                  <a:cs typeface="+mn-cs"/>
+                </a:rPr>
+                <a:t> de a </a:t>
+              </a:r>
+              <a:r>
+                <a:rPr lang="en-US" sz="1000" b="1" dirty="0" err="1">
+                  <a:solidFill>
+                    <a:schemeClr val="tx1"/>
+                  </a:solidFill>
+                  <a:latin typeface="Calibri" panose="020F0502020204030204"/>
+                  <a:ea typeface="+mn-ea"/>
+                  <a:cs typeface="+mn-cs"/>
+                </a:rPr>
+                <a:t>bo</a:t>
+              </a:r>
+              <a:r>
+                <a:rPr lang="en-US" sz="1000" b="1" dirty="0" err="1">
+                  <a:solidFill>
+                    <a:schemeClr val="tx1"/>
+                  </a:solidFill>
+                  <a:latin typeface="Calibri" panose="020F0502020204030204"/>
+                </a:rPr>
+                <a:t>rdo</a:t>
+              </a:r>
+              <a:r>
+                <a:rPr lang="en-US" sz="1000" b="1" dirty="0">
+                  <a:solidFill>
+                    <a:schemeClr val="tx1"/>
+                  </a:solidFill>
+                  <a:latin typeface="Calibri" panose="020F0502020204030204"/>
+                </a:rPr>
+                <a:t> </a:t>
+              </a:r>
+            </a:p>
+            <a:p>
+              <a:pPr algn="r" defTabSz="222250">
+                <a:lnSpc>
+                  <a:spcPct val="90000"/>
+                </a:lnSpc>
+                <a:spcBef>
+                  <a:spcPct val="0"/>
+                </a:spcBef>
+                <a:spcAft>
+                  <a:spcPct val="35000"/>
+                </a:spcAft>
+              </a:pPr>
+              <a:r>
+                <a:rPr lang="en-US" sz="700" kern="1200" noProof="0" dirty="0">
+                  <a:solidFill>
+                    <a:schemeClr val="tx1"/>
+                  </a:solidFill>
+                  <a:latin typeface="Calibri" panose="020F0502020204030204"/>
+                  <a:ea typeface="+mn-ea"/>
+                  <a:cs typeface="+mn-cs"/>
                 </a:rPr>
                 <a:t>OBC</a:t>
               </a:r>
-              <a:endParaRPr lang="en-US" sz="1000" kern="1200" noProof="0" dirty="0">
-                <a:solidFill>
-                  <a:schemeClr val="tx1"/>
-                </a:solidFill>
-                <a:latin typeface="Calibri" panose="020F0502020204030204"/>
-                <a:ea typeface="+mn-ea"/>
-                <a:cs typeface="+mn-cs"/>
-              </a:endParaRPr>
             </a:p>
           </p:txBody>
         </p:sp>
@@ -5829,8 +5966,8 @@
         </p:nvGrpSpPr>
         <p:grpSpPr>
           <a:xfrm>
-            <a:off x="8192671" y="2656280"/>
-            <a:ext cx="896861" cy="308862"/>
+            <a:off x="8192671" y="2572511"/>
+            <a:ext cx="994001" cy="392631"/>
             <a:chOff x="3276378" y="346098"/>
             <a:chExt cx="482458" cy="241229"/>
           </a:xfrm>
@@ -5940,14 +6077,38 @@
                 </a:spcAft>
               </a:pPr>
               <a:r>
-                <a:rPr lang="en-US" sz="1000" kern="1200" noProof="0" dirty="0">
+                <a:rPr lang="en-US" sz="1000" b="1" kern="1200" noProof="0" dirty="0">
                   <a:solidFill>
                     <a:schemeClr val="tx1"/>
                   </a:solidFill>
                 </a:rPr>
                 <a:t>Comunicaciones</a:t>
               </a:r>
-              <a:endParaRPr lang="en-US" sz="1000" kern="1200" noProof="0" dirty="0">
+            </a:p>
+            <a:p>
+              <a:pPr algn="r" defTabSz="222250">
+                <a:lnSpc>
+                  <a:spcPct val="90000"/>
+                </a:lnSpc>
+                <a:spcBef>
+                  <a:spcPct val="0"/>
+                </a:spcBef>
+                <a:spcAft>
+                  <a:spcPct val="35000"/>
+                </a:spcAft>
+              </a:pPr>
+              <a:r>
+                <a:rPr lang="en-US" sz="700" i="1" dirty="0">
+                  <a:solidFill>
+                    <a:schemeClr val="tx1"/>
+                  </a:solidFill>
+                  <a:latin typeface="Calibri" panose="020F0502020204030204"/>
+                  <a:ea typeface="+mn-ea"/>
+                  <a:cs typeface="+mn-cs"/>
+                </a:rPr>
+                <a:t>COM</a:t>
+              </a:r>
+              <a:endParaRPr lang="en-US" sz="700" i="1" kern="1200" noProof="0" dirty="0">
                 <a:solidFill>
                   <a:schemeClr val="tx1"/>
                 </a:solidFill>
@@ -6091,7 +6252,31 @@
                 </a:rPr>
                 <a:t>ADS</a:t>
               </a:r>
-              <a:endParaRPr lang="en-US" sz="1000" kern="1200" noProof="0" dirty="0">
+            </a:p>
+            <a:p>
+              <a:pPr algn="r" defTabSz="222250">
+                <a:lnSpc>
+                  <a:spcPct val="90000"/>
+                </a:lnSpc>
+                <a:spcBef>
+                  <a:spcPct val="0"/>
+                </a:spcBef>
+                <a:spcAft>
+                  <a:spcPct val="35000"/>
+                </a:spcAft>
+              </a:pPr>
+              <a:r>
+                <a:rPr lang="en-US" sz="700" i="1" dirty="0">
+                  <a:solidFill>
+                    <a:schemeClr val="tx1"/>
+                  </a:solidFill>
+                  <a:latin typeface="Calibri" panose="020F0502020204030204"/>
+                  <a:ea typeface="+mn-ea"/>
+                  <a:cs typeface="+mn-cs"/>
+                </a:rPr>
+                <a:t>ADCS 1</a:t>
+              </a:r>
+              <a:endParaRPr lang="en-US" sz="700" i="1" kern="1200" noProof="0" dirty="0">
                 <a:solidFill>
                   <a:schemeClr val="tx1"/>
                 </a:solidFill>
@@ -6117,8 +6302,8 @@
         </p:nvGrpSpPr>
         <p:grpSpPr>
           <a:xfrm>
-            <a:off x="5362763" y="3789259"/>
-            <a:ext cx="571216" cy="198991"/>
+            <a:off x="5362763" y="3658459"/>
+            <a:ext cx="571216" cy="329791"/>
             <a:chOff x="3276378" y="346098"/>
             <a:chExt cx="482458" cy="241229"/>
           </a:xfrm>
@@ -6235,7 +6420,31 @@
                 </a:rPr>
                 <a:t>S1</a:t>
               </a:r>
-              <a:endParaRPr lang="en-US" sz="1000" kern="1200" noProof="0" dirty="0">
+            </a:p>
+            <a:p>
+              <a:pPr algn="r" defTabSz="222250">
+                <a:lnSpc>
+                  <a:spcPct val="90000"/>
+                </a:lnSpc>
+                <a:spcBef>
+                  <a:spcPct val="0"/>
+                </a:spcBef>
+                <a:spcAft>
+                  <a:spcPct val="35000"/>
+                </a:spcAft>
+              </a:pPr>
+              <a:r>
+                <a:rPr lang="en-US" sz="700" i="1" dirty="0">
+                  <a:solidFill>
+                    <a:schemeClr val="tx1"/>
+                  </a:solidFill>
+                  <a:latin typeface="Calibri" panose="020F0502020204030204"/>
+                  <a:ea typeface="+mn-ea"/>
+                  <a:cs typeface="+mn-cs"/>
+                </a:rPr>
+                <a:t>ADCS 1.1</a:t>
+              </a:r>
+              <a:endParaRPr lang="en-US" sz="700" i="1" kern="1200" noProof="0" dirty="0">
                 <a:solidFill>
                   <a:schemeClr val="tx1"/>
                 </a:solidFill>
@@ -6261,8 +6470,8 @@
         </p:nvGrpSpPr>
         <p:grpSpPr>
           <a:xfrm>
-            <a:off x="5362762" y="4267212"/>
-            <a:ext cx="571216" cy="198991"/>
+            <a:off x="5362762" y="4133258"/>
+            <a:ext cx="571216" cy="332945"/>
             <a:chOff x="3276378" y="346098"/>
             <a:chExt cx="482458" cy="241229"/>
           </a:xfrm>
@@ -6379,7 +6588,31 @@
                 </a:rPr>
                 <a:t>S2</a:t>
               </a:r>
-              <a:endParaRPr lang="en-US" sz="1000" kern="1200" noProof="0" dirty="0">
+            </a:p>
+            <a:p>
+              <a:pPr algn="r" defTabSz="222250">
+                <a:lnSpc>
+                  <a:spcPct val="90000"/>
+                </a:lnSpc>
+                <a:spcBef>
+                  <a:spcPct val="0"/>
+                </a:spcBef>
+                <a:spcAft>
+                  <a:spcPct val="35000"/>
+                </a:spcAft>
+              </a:pPr>
+              <a:r>
+                <a:rPr lang="en-US" sz="700" i="1" dirty="0">
+                  <a:solidFill>
+                    <a:schemeClr val="tx1"/>
+                  </a:solidFill>
+                  <a:latin typeface="Calibri" panose="020F0502020204030204"/>
+                  <a:ea typeface="+mn-ea"/>
+                  <a:cs typeface="+mn-cs"/>
+                </a:rPr>
+                <a:t>ADCS 1.2</a:t>
+              </a:r>
+              <a:endParaRPr lang="en-US" sz="700" i="1" kern="1200" noProof="0" dirty="0">
                 <a:solidFill>
                   <a:schemeClr val="tx1"/>
                 </a:solidFill>
@@ -6523,7 +6756,31 @@
                 </a:rPr>
                 <a:t>ACS</a:t>
               </a:r>
-              <a:endParaRPr lang="en-US" sz="1000" kern="1200" noProof="0" dirty="0">
+            </a:p>
+            <a:p>
+              <a:pPr algn="r" defTabSz="222250">
+                <a:lnSpc>
+                  <a:spcPct val="90000"/>
+                </a:lnSpc>
+                <a:spcBef>
+                  <a:spcPct val="0"/>
+                </a:spcBef>
+                <a:spcAft>
+                  <a:spcPct val="35000"/>
+                </a:spcAft>
+              </a:pPr>
+              <a:r>
+                <a:rPr lang="en-US" sz="700" dirty="0">
+                  <a:solidFill>
+                    <a:schemeClr val="tx1"/>
+                  </a:solidFill>
+                  <a:latin typeface="Calibri" panose="020F0502020204030204"/>
+                  <a:ea typeface="+mn-ea"/>
+                  <a:cs typeface="+mn-cs"/>
+                </a:rPr>
+                <a:t>ADCS 2</a:t>
+              </a:r>
+              <a:endParaRPr lang="en-US" sz="700" kern="1200" noProof="0" dirty="0">
                 <a:solidFill>
                   <a:schemeClr val="tx1"/>
                 </a:solidFill>
@@ -6550,7 +6807,7 @@
         <p:grpSpPr>
           <a:xfrm>
             <a:off x="5362761" y="5388511"/>
-            <a:ext cx="571215" cy="198991"/>
+            <a:ext cx="571215" cy="322101"/>
             <a:chOff x="3276378" y="346098"/>
             <a:chExt cx="482458" cy="241229"/>
           </a:xfrm>
@@ -6667,7 +6924,31 @@
                 </a:rPr>
                 <a:t>C1</a:t>
               </a:r>
-              <a:endParaRPr lang="en-US" sz="1000" kern="1200" noProof="0" dirty="0">
+            </a:p>
+            <a:p>
+              <a:pPr algn="r" defTabSz="222250">
+                <a:lnSpc>
+                  <a:spcPct val="90000"/>
+                </a:lnSpc>
+                <a:spcBef>
+                  <a:spcPct val="0"/>
+                </a:spcBef>
+                <a:spcAft>
+                  <a:spcPct val="35000"/>
+                </a:spcAft>
+              </a:pPr>
+              <a:r>
+                <a:rPr lang="en-US" sz="700" i="1" dirty="0">
+                  <a:solidFill>
+                    <a:schemeClr val="tx1"/>
+                  </a:solidFill>
+                  <a:latin typeface="Calibri" panose="020F0502020204030204"/>
+                  <a:ea typeface="+mn-ea"/>
+                  <a:cs typeface="+mn-cs"/>
+                </a:rPr>
+                <a:t>ADCS 2.1</a:t>
+              </a:r>
+              <a:endParaRPr lang="en-US" sz="700" i="1" kern="1200" noProof="0" dirty="0">
                 <a:solidFill>
                   <a:schemeClr val="tx1"/>
                 </a:solidFill>
@@ -6694,7 +6975,7 @@
         <p:grpSpPr>
           <a:xfrm>
             <a:off x="5362760" y="5912206"/>
-            <a:ext cx="571215" cy="198991"/>
+            <a:ext cx="571215" cy="322101"/>
             <a:chOff x="3276378" y="346098"/>
             <a:chExt cx="482458" cy="241229"/>
           </a:xfrm>
@@ -6819,7 +7100,31 @@
                 </a:rPr>
                 <a:t>2</a:t>
               </a:r>
-              <a:endParaRPr lang="en-US" sz="1000" kern="1200" noProof="0" dirty="0">
+            </a:p>
+            <a:p>
+              <a:pPr algn="r" defTabSz="222250">
+                <a:lnSpc>
+                  <a:spcPct val="90000"/>
+                </a:lnSpc>
+                <a:spcBef>
+                  <a:spcPct val="0"/>
+                </a:spcBef>
+                <a:spcAft>
+                  <a:spcPct val="35000"/>
+                </a:spcAft>
+              </a:pPr>
+              <a:r>
+                <a:rPr lang="en-US" sz="700" i="1" dirty="0">
+                  <a:solidFill>
+                    <a:schemeClr val="tx1"/>
+                  </a:solidFill>
+                  <a:latin typeface="Calibri" panose="020F0502020204030204"/>
+                  <a:ea typeface="+mn-ea"/>
+                  <a:cs typeface="+mn-cs"/>
+                </a:rPr>
+                <a:t>ADCS 2.2</a:t>
+              </a:r>
+              <a:endParaRPr lang="en-US" sz="700" i="1" kern="1200" noProof="0" dirty="0">
                 <a:solidFill>
                   <a:schemeClr val="tx1"/>
                 </a:solidFill>
@@ -6848,8 +7153,8 @@
         </p:nvCxnSpPr>
         <p:spPr>
           <a:xfrm rot="16200000" flipH="1">
-            <a:off x="4843747" y="3011455"/>
-            <a:ext cx="341498" cy="269520"/>
+            <a:off x="4887075" y="3054783"/>
+            <a:ext cx="311118" cy="213243"/>
           </a:xfrm>
           <a:prstGeom prst="bentConnector2">
             <a:avLst/>
@@ -6880,14 +7185,15 @@
             </a:extLst>
           </p:cNvPr>
           <p:cNvCxnSpPr>
+            <a:cxnSpLocks/>
             <a:endCxn id="68" idx="1"/>
           </p:cNvCxnSpPr>
           <p:nvPr/>
         </p:nvCxnSpPr>
         <p:spPr>
           <a:xfrm rot="16200000" flipH="1">
-            <a:off x="5186198" y="3712189"/>
-            <a:ext cx="230293" cy="122838"/>
+            <a:off x="5218897" y="3679489"/>
+            <a:ext cx="164894" cy="122837"/>
           </a:xfrm>
           <a:prstGeom prst="bentConnector2">
             <a:avLst/>
@@ -6925,8 +7231,8 @@
         </p:nvCxnSpPr>
         <p:spPr>
           <a:xfrm rot="16200000" flipH="1">
-            <a:off x="4874717" y="3878662"/>
-            <a:ext cx="853255" cy="122836"/>
+            <a:off x="4908205" y="3845173"/>
+            <a:ext cx="786279" cy="122835"/>
           </a:xfrm>
           <a:prstGeom prst="bentConnector2">
             <a:avLst/>
@@ -6964,8 +7270,8 @@
         </p:nvCxnSpPr>
         <p:spPr>
           <a:xfrm rot="16200000" flipH="1">
-            <a:off x="4025055" y="3830147"/>
-            <a:ext cx="1978882" cy="269520"/>
+            <a:off x="4068383" y="3873475"/>
+            <a:ext cx="1948502" cy="213243"/>
           </a:xfrm>
           <a:prstGeom prst="bentConnector2">
             <a:avLst/>
@@ -7002,8 +7308,8 @@
         </p:nvCxnSpPr>
         <p:spPr>
           <a:xfrm rot="16200000" flipH="1">
-            <a:off x="5221138" y="5346383"/>
-            <a:ext cx="192161" cy="91086"/>
+            <a:off x="5190360" y="5377160"/>
+            <a:ext cx="253717" cy="91085"/>
           </a:xfrm>
           <a:prstGeom prst="bentConnector2">
             <a:avLst/>
@@ -7041,49 +7347,10 @@
         </p:nvCxnSpPr>
         <p:spPr>
           <a:xfrm rot="16200000" flipH="1">
-            <a:off x="4886786" y="5535728"/>
-            <a:ext cx="860864" cy="91084"/>
+            <a:off x="4856009" y="5566505"/>
+            <a:ext cx="922419" cy="91084"/>
           </a:xfrm>
           <a:prstGeom prst="bentConnector2">
-            <a:avLst/>
-          </a:prstGeom>
-        </p:spPr>
-        <p:style>
-          <a:lnRef idx="1">
-            <a:schemeClr val="dk1"/>
-          </a:lnRef>
-          <a:fillRef idx="0">
-            <a:schemeClr val="dk1"/>
-          </a:fillRef>
-          <a:effectRef idx="0">
-            <a:schemeClr val="dk1"/>
-          </a:effectRef>
-          <a:fontRef idx="minor">
-            <a:schemeClr val="tx1"/>
-          </a:fontRef>
-        </p:style>
-      </p:cxnSp>
-      <p:cxnSp>
-        <p:nvCxnSpPr>
-          <p:cNvPr id="94" name="Conector: angular 93">
-            <a:extLst>
-              <a:ext uri="{FF2B5EF4-FFF2-40B4-BE49-F238E27FC236}">
-                <a16:creationId xmlns:a16="http://schemas.microsoft.com/office/drawing/2014/main" id="{743AB3D8-5D62-47A3-9BE4-D22BB46D5938}"/>
-              </a:ext>
-            </a:extLst>
-          </p:cNvPr>
-          <p:cNvCxnSpPr>
-            <a:stCxn id="6" idx="3"/>
-            <a:endCxn id="14" idx="1"/>
-          </p:cNvCxnSpPr>
-          <p:nvPr/>
-        </p:nvCxnSpPr>
-        <p:spPr>
-          <a:xfrm flipV="1">
-            <a:off x="6329778" y="818191"/>
-            <a:ext cx="2100996" cy="1"/>
-          </a:xfrm>
-          <a:prstGeom prst="bentConnector3">
             <a:avLst/>
           </a:prstGeom>
         </p:spPr>
@@ -7238,6 +7505,35 @@
                 <a:solidFill>
                   <a:schemeClr val="tx1"/>
                 </a:solidFill>
+              </a:endParaRPr>
+            </a:p>
+            <a:p>
+              <a:pPr algn="r" defTabSz="222250">
+                <a:lnSpc>
+                  <a:spcPct val="90000"/>
+                </a:lnSpc>
+                <a:spcBef>
+                  <a:spcPct val="0"/>
+                </a:spcBef>
+                <a:spcAft>
+                  <a:spcPct val="35000"/>
+                </a:spcAft>
+              </a:pPr>
+              <a:r>
+                <a:rPr lang="en-US" sz="700" i="1" dirty="0">
+                  <a:solidFill>
+                    <a:schemeClr val="tx1"/>
+                  </a:solidFill>
+                  <a:latin typeface="Calibri" panose="020F0502020204030204"/>
+                  <a:ea typeface="+mn-ea"/>
+                  <a:cs typeface="+mn-cs"/>
+                </a:rPr>
+                <a:t>COM 1</a:t>
+              </a:r>
+              <a:endParaRPr lang="en-US" sz="700" i="1" kern="1200" noProof="0" dirty="0">
+                <a:solidFill>
+                  <a:schemeClr val="tx1"/>
+                </a:solidFill>
                 <a:latin typeface="Calibri" panose="020F0502020204030204"/>
                 <a:ea typeface="+mn-ea"/>
                 <a:cs typeface="+mn-cs"/>
@@ -7386,7 +7682,31 @@
                 </a:rPr>
                 <a:t> pi</a:t>
               </a:r>
-              <a:endParaRPr lang="en-US" sz="1000" kern="1200" noProof="0" dirty="0">
+            </a:p>
+            <a:p>
+              <a:pPr algn="r" defTabSz="222250">
+                <a:lnSpc>
+                  <a:spcPct val="90000"/>
+                </a:lnSpc>
+                <a:spcBef>
+                  <a:spcPct val="0"/>
+                </a:spcBef>
+                <a:spcAft>
+                  <a:spcPct val="35000"/>
+                </a:spcAft>
+              </a:pPr>
+              <a:r>
+                <a:rPr lang="en-US" sz="700" i="1" dirty="0">
+                  <a:solidFill>
+                    <a:schemeClr val="tx1"/>
+                  </a:solidFill>
+                  <a:latin typeface="Calibri" panose="020F0502020204030204"/>
+                  <a:ea typeface="+mn-ea"/>
+                  <a:cs typeface="+mn-cs"/>
+                </a:rPr>
+                <a:t>OBC 1</a:t>
+              </a:r>
+              <a:endParaRPr lang="en-US" sz="700" i="1" kern="1200" noProof="0" dirty="0">
                 <a:solidFill>
                   <a:schemeClr val="tx1"/>
                 </a:solidFill>
@@ -7400,123 +7720,6 @@
       </p:grpSp>
       <p:cxnSp>
         <p:nvCxnSpPr>
-          <p:cNvPr id="107" name="Conector: angular 106">
-            <a:extLst>
-              <a:ext uri="{FF2B5EF4-FFF2-40B4-BE49-F238E27FC236}">
-                <a16:creationId xmlns:a16="http://schemas.microsoft.com/office/drawing/2014/main" id="{90DE41C8-0D1D-400C-A893-11D4BD8E7256}"/>
-              </a:ext>
-            </a:extLst>
-          </p:cNvPr>
-          <p:cNvCxnSpPr>
-            <a:stCxn id="8" idx="2"/>
-            <a:endCxn id="41" idx="0"/>
-          </p:cNvCxnSpPr>
-          <p:nvPr/>
-        </p:nvCxnSpPr>
-        <p:spPr>
-          <a:xfrm rot="16200000" flipH="1">
-            <a:off x="3732893" y="1527890"/>
-            <a:ext cx="695013" cy="1598674"/>
-          </a:xfrm>
-          <a:prstGeom prst="bentConnector3">
-            <a:avLst/>
-          </a:prstGeom>
-        </p:spPr>
-        <p:style>
-          <a:lnRef idx="1">
-            <a:schemeClr val="accent1"/>
-          </a:lnRef>
-          <a:fillRef idx="0">
-            <a:schemeClr val="accent1"/>
-          </a:fillRef>
-          <a:effectRef idx="0">
-            <a:schemeClr val="accent1"/>
-          </a:effectRef>
-          <a:fontRef idx="minor">
-            <a:schemeClr val="tx1"/>
-          </a:fontRef>
-        </p:style>
-      </p:cxnSp>
-      <p:cxnSp>
-        <p:nvCxnSpPr>
-          <p:cNvPr id="109" name="Conector: angular 108">
-            <a:extLst>
-              <a:ext uri="{FF2B5EF4-FFF2-40B4-BE49-F238E27FC236}">
-                <a16:creationId xmlns:a16="http://schemas.microsoft.com/office/drawing/2014/main" id="{23345E2B-019E-4DB9-87C4-32A031A8FF3F}"/>
-              </a:ext>
-            </a:extLst>
-          </p:cNvPr>
-          <p:cNvCxnSpPr>
-            <a:stCxn id="9" idx="2"/>
-            <a:endCxn id="59" idx="0"/>
-          </p:cNvCxnSpPr>
-          <p:nvPr/>
-        </p:nvCxnSpPr>
-        <p:spPr>
-          <a:xfrm rot="16200000" flipH="1">
-            <a:off x="4690095" y="570688"/>
-            <a:ext cx="686882" cy="3504948"/>
-          </a:xfrm>
-          <a:prstGeom prst="bentConnector3">
-            <a:avLst/>
-          </a:prstGeom>
-        </p:spPr>
-        <p:style>
-          <a:lnRef idx="1">
-            <a:schemeClr val="dk1"/>
-          </a:lnRef>
-          <a:fillRef idx="0">
-            <a:schemeClr val="dk1"/>
-          </a:fillRef>
-          <a:effectRef idx="0">
-            <a:schemeClr val="dk1"/>
-          </a:effectRef>
-          <a:fontRef idx="minor">
-            <a:schemeClr val="tx1"/>
-          </a:fontRef>
-        </p:style>
-      </p:cxnSp>
-      <p:cxnSp>
-        <p:nvCxnSpPr>
-          <p:cNvPr id="111" name="Conector: angular 110">
-            <a:extLst>
-              <a:ext uri="{FF2B5EF4-FFF2-40B4-BE49-F238E27FC236}">
-                <a16:creationId xmlns:a16="http://schemas.microsoft.com/office/drawing/2014/main" id="{3B8F2AA7-044F-42B3-ADA8-5057DD94DF20}"/>
-              </a:ext>
-            </a:extLst>
-          </p:cNvPr>
-          <p:cNvCxnSpPr>
-            <a:stCxn id="8" idx="2"/>
-            <a:endCxn id="62" idx="0"/>
-          </p:cNvCxnSpPr>
-          <p:nvPr/>
-        </p:nvCxnSpPr>
-        <p:spPr>
-          <a:xfrm rot="16200000" flipH="1">
-            <a:off x="5622803" y="-362020"/>
-            <a:ext cx="676559" cy="5360040"/>
-          </a:xfrm>
-          <a:prstGeom prst="bentConnector3">
-            <a:avLst/>
-          </a:prstGeom>
-        </p:spPr>
-        <p:style>
-          <a:lnRef idx="1">
-            <a:schemeClr val="dk1"/>
-          </a:lnRef>
-          <a:fillRef idx="0">
-            <a:schemeClr val="dk1"/>
-          </a:fillRef>
-          <a:effectRef idx="0">
-            <a:schemeClr val="dk1"/>
-          </a:effectRef>
-          <a:fontRef idx="minor">
-            <a:schemeClr val="tx1"/>
-          </a:fontRef>
-        </p:style>
-      </p:cxnSp>
-      <p:cxnSp>
-        <p:nvCxnSpPr>
           <p:cNvPr id="113" name="Conector: angular 112">
             <a:extLst>
               <a:ext uri="{FF2B5EF4-FFF2-40B4-BE49-F238E27FC236}">
@@ -7532,8 +7735,8 @@
         </p:nvCxnSpPr>
         <p:spPr>
           <a:xfrm rot="16200000" flipH="1">
-            <a:off x="6690786" y="3070688"/>
-            <a:ext cx="331112" cy="140665"/>
+            <a:off x="6672208" y="3052110"/>
+            <a:ext cx="333304" cy="175630"/>
           </a:xfrm>
           <a:prstGeom prst="bentConnector2">
             <a:avLst/>
@@ -7571,8 +7774,8 @@
         </p:nvCxnSpPr>
         <p:spPr>
           <a:xfrm rot="16200000" flipH="1">
-            <a:off x="8553048" y="3053196"/>
-            <a:ext cx="341434" cy="165326"/>
+            <a:off x="8577333" y="3077481"/>
+            <a:ext cx="341434" cy="116756"/>
           </a:xfrm>
           <a:prstGeom prst="bentConnector2">
             <a:avLst/>
@@ -7607,8 +7810,8 @@
         </p:nvGrpSpPr>
         <p:grpSpPr>
           <a:xfrm>
-            <a:off x="10452022" y="1574505"/>
-            <a:ext cx="841853" cy="405216"/>
+            <a:off x="10326624" y="1574505"/>
+            <a:ext cx="967251" cy="405216"/>
             <a:chOff x="3276378" y="346098"/>
             <a:chExt cx="482458" cy="241229"/>
           </a:xfrm>
@@ -7719,7 +7922,7 @@
                 <a:buNone/>
               </a:pPr>
               <a:r>
-                <a:rPr lang="en-US" sz="1200" kern="1200" noProof="0" dirty="0">
+                <a:rPr lang="en-US" sz="1200" b="1" kern="1200" noProof="0" dirty="0">
                   <a:solidFill>
                     <a:schemeClr val="tx1"/>
                   </a:solidFill>
@@ -7729,7 +7932,30 @@
                 </a:rPr>
                 <a:t>Carga de Pago</a:t>
               </a:r>
-              <a:endParaRPr lang="en-US" sz="1100" kern="1200" noProof="0" dirty="0">
+            </a:p>
+            <a:p>
+              <a:pPr marL="0" lvl="0" indent="0" algn="r" defTabSz="222250">
+                <a:lnSpc>
+                  <a:spcPct val="90000"/>
+                </a:lnSpc>
+                <a:spcBef>
+                  <a:spcPct val="0"/>
+                </a:spcBef>
+                <a:spcAft>
+                  <a:spcPct val="35000"/>
+                </a:spcAft>
+                <a:buNone/>
+              </a:pPr>
+              <a:r>
+                <a:rPr lang="en-US" sz="700" i="1" dirty="0">
+                  <a:solidFill>
+                    <a:schemeClr val="tx1"/>
+                  </a:solidFill>
+                  <a:latin typeface="Calibri" panose="020F0502020204030204"/>
+                </a:rPr>
+                <a:t>PLD</a:t>
+              </a:r>
+              <a:endParaRPr lang="en-US" sz="600" i="1" kern="1200" noProof="0" dirty="0">
                 <a:solidFill>
                   <a:schemeClr val="tx1"/>
                 </a:solidFill>
@@ -7738,45 +7964,6 @@
           </p:txBody>
         </p:sp>
       </p:grpSp>
-      <p:cxnSp>
-        <p:nvCxnSpPr>
-          <p:cNvPr id="120" name="Conector: angular 119">
-            <a:extLst>
-              <a:ext uri="{FF2B5EF4-FFF2-40B4-BE49-F238E27FC236}">
-                <a16:creationId xmlns:a16="http://schemas.microsoft.com/office/drawing/2014/main" id="{D7358F51-D8CD-447B-A942-371E1A6CC614}"/>
-              </a:ext>
-            </a:extLst>
-          </p:cNvPr>
-          <p:cNvCxnSpPr>
-            <a:stCxn id="6" idx="2"/>
-            <a:endCxn id="118" idx="0"/>
-          </p:cNvCxnSpPr>
-          <p:nvPr/>
-        </p:nvCxnSpPr>
-        <p:spPr>
-          <a:xfrm rot="16200000" flipH="1">
-            <a:off x="8115943" y="-1182501"/>
-            <a:ext cx="473674" cy="5040338"/>
-          </a:xfrm>
-          <a:prstGeom prst="bentConnector3">
-            <a:avLst/>
-          </a:prstGeom>
-        </p:spPr>
-        <p:style>
-          <a:lnRef idx="1">
-            <a:schemeClr val="dk1"/>
-          </a:lnRef>
-          <a:fillRef idx="0">
-            <a:schemeClr val="dk1"/>
-          </a:fillRef>
-          <a:effectRef idx="0">
-            <a:schemeClr val="dk1"/>
-          </a:effectRef>
-          <a:fontRef idx="minor">
-            <a:schemeClr val="tx1"/>
-          </a:fontRef>
-        </p:style>
-      </p:cxnSp>
       <p:grpSp>
         <p:nvGrpSpPr>
           <p:cNvPr id="81" name="Grupo 80">
@@ -7913,6 +8100,33 @@
                 <a:solidFill>
                   <a:schemeClr val="tx1"/>
                 </a:solidFill>
+              </a:endParaRPr>
+            </a:p>
+            <a:p>
+              <a:pPr algn="r" defTabSz="222250">
+                <a:lnSpc>
+                  <a:spcPct val="90000"/>
+                </a:lnSpc>
+                <a:spcBef>
+                  <a:spcPct val="0"/>
+                </a:spcBef>
+                <a:spcAft>
+                  <a:spcPct val="35000"/>
+                </a:spcAft>
+              </a:pPr>
+              <a:r>
+                <a:rPr lang="en-US" sz="700" i="1" kern="1200" noProof="0" dirty="0">
+                  <a:solidFill>
+                    <a:schemeClr val="tx1"/>
+                  </a:solidFill>
+                  <a:latin typeface="Calibri" panose="020F0502020204030204"/>
+                </a:rPr>
+                <a:t>COM 2</a:t>
+              </a:r>
+              <a:endParaRPr lang="en-US" sz="700" i="1" kern="1200" noProof="0" dirty="0">
+                <a:solidFill>
+                  <a:schemeClr val="tx1"/>
+                </a:solidFill>
                 <a:latin typeface="Calibri" panose="020F0502020204030204"/>
                 <a:ea typeface="+mn-ea"/>
                 <a:cs typeface="+mn-cs"/>
@@ -7938,11 +8152,292 @@
         </p:nvCxnSpPr>
         <p:spPr>
           <a:xfrm rot="16200000" flipH="1">
-            <a:off x="8254135" y="3352109"/>
-            <a:ext cx="939261" cy="165326"/>
+            <a:off x="8278420" y="3376394"/>
+            <a:ext cx="939261" cy="116756"/>
           </a:xfrm>
           <a:prstGeom prst="bentConnector2">
             <a:avLst/>
+          </a:prstGeom>
+        </p:spPr>
+        <p:style>
+          <a:lnRef idx="1">
+            <a:schemeClr val="dk1"/>
+          </a:lnRef>
+          <a:fillRef idx="0">
+            <a:schemeClr val="dk1"/>
+          </a:fillRef>
+          <a:effectRef idx="0">
+            <a:schemeClr val="dk1"/>
+          </a:effectRef>
+          <a:fontRef idx="minor">
+            <a:schemeClr val="tx1"/>
+          </a:fontRef>
+        </p:style>
+      </p:cxnSp>
+      <p:cxnSp>
+        <p:nvCxnSpPr>
+          <p:cNvPr id="48" name="Conector: angular 47">
+            <a:extLst>
+              <a:ext uri="{FF2B5EF4-FFF2-40B4-BE49-F238E27FC236}">
+                <a16:creationId xmlns:a16="http://schemas.microsoft.com/office/drawing/2014/main" id="{755AF64D-A083-456D-A96C-F227994C141B}"/>
+              </a:ext>
+            </a:extLst>
+          </p:cNvPr>
+          <p:cNvCxnSpPr>
+            <a:stCxn id="6" idx="2"/>
+            <a:endCxn id="9" idx="0"/>
+          </p:cNvCxnSpPr>
+          <p:nvPr/>
+        </p:nvCxnSpPr>
+        <p:spPr>
+          <a:xfrm rot="5400000">
+            <a:off x="4364423" y="17469"/>
+            <a:ext cx="384826" cy="2551550"/>
+          </a:xfrm>
+          <a:prstGeom prst="bentConnector3">
+            <a:avLst/>
+          </a:prstGeom>
+        </p:spPr>
+        <p:style>
+          <a:lnRef idx="1">
+            <a:schemeClr val="dk1"/>
+          </a:lnRef>
+          <a:fillRef idx="0">
+            <a:schemeClr val="dk1"/>
+          </a:fillRef>
+          <a:effectRef idx="0">
+            <a:schemeClr val="dk1"/>
+          </a:effectRef>
+          <a:fontRef idx="minor">
+            <a:schemeClr val="tx1"/>
+          </a:fontRef>
+        </p:style>
+      </p:cxnSp>
+      <p:cxnSp>
+        <p:nvCxnSpPr>
+          <p:cNvPr id="50" name="Conector: angular 49">
+            <a:extLst>
+              <a:ext uri="{FF2B5EF4-FFF2-40B4-BE49-F238E27FC236}">
+                <a16:creationId xmlns:a16="http://schemas.microsoft.com/office/drawing/2014/main" id="{6BC0B7BA-B92F-4C1E-8A3C-854D3FDDF5FF}"/>
+              </a:ext>
+            </a:extLst>
+          </p:cNvPr>
+          <p:cNvCxnSpPr>
+            <a:stCxn id="9" idx="2"/>
+            <a:endCxn id="17" idx="0"/>
+          </p:cNvCxnSpPr>
+          <p:nvPr/>
+        </p:nvCxnSpPr>
+        <p:spPr>
+          <a:xfrm rot="5400000">
+            <a:off x="1789328" y="1180808"/>
+            <a:ext cx="781668" cy="2201798"/>
+          </a:xfrm>
+          <a:prstGeom prst="bentConnector3">
+            <a:avLst/>
+          </a:prstGeom>
+        </p:spPr>
+        <p:style>
+          <a:lnRef idx="1">
+            <a:schemeClr val="dk1"/>
+          </a:lnRef>
+          <a:fillRef idx="0">
+            <a:schemeClr val="dk1"/>
+          </a:fillRef>
+          <a:effectRef idx="0">
+            <a:schemeClr val="dk1"/>
+          </a:effectRef>
+          <a:fontRef idx="minor">
+            <a:schemeClr val="tx1"/>
+          </a:fontRef>
+        </p:style>
+      </p:cxnSp>
+      <p:cxnSp>
+        <p:nvCxnSpPr>
+          <p:cNvPr id="52" name="Conector: angular 51">
+            <a:extLst>
+              <a:ext uri="{FF2B5EF4-FFF2-40B4-BE49-F238E27FC236}">
+                <a16:creationId xmlns:a16="http://schemas.microsoft.com/office/drawing/2014/main" id="{E4C9A587-7F29-4960-BC09-1F5CB54C8576}"/>
+              </a:ext>
+            </a:extLst>
+          </p:cNvPr>
+          <p:cNvCxnSpPr>
+            <a:stCxn id="9" idx="2"/>
+            <a:endCxn id="38" idx="0"/>
+          </p:cNvCxnSpPr>
+          <p:nvPr/>
+        </p:nvCxnSpPr>
+        <p:spPr>
+          <a:xfrm rot="5400000">
+            <a:off x="2698752" y="2092424"/>
+            <a:ext cx="783861" cy="380759"/>
+          </a:xfrm>
+          <a:prstGeom prst="bentConnector3">
+            <a:avLst/>
+          </a:prstGeom>
+        </p:spPr>
+        <p:style>
+          <a:lnRef idx="1">
+            <a:schemeClr val="dk1"/>
+          </a:lnRef>
+          <a:fillRef idx="0">
+            <a:schemeClr val="dk1"/>
+          </a:fillRef>
+          <a:effectRef idx="0">
+            <a:schemeClr val="dk1"/>
+          </a:effectRef>
+          <a:fontRef idx="minor">
+            <a:schemeClr val="tx1"/>
+          </a:fontRef>
+        </p:style>
+      </p:cxnSp>
+      <p:cxnSp>
+        <p:nvCxnSpPr>
+          <p:cNvPr id="54" name="Conector: angular 53">
+            <a:extLst>
+              <a:ext uri="{FF2B5EF4-FFF2-40B4-BE49-F238E27FC236}">
+                <a16:creationId xmlns:a16="http://schemas.microsoft.com/office/drawing/2014/main" id="{564F6E89-EF7B-491C-991E-5837DCB6EBD9}"/>
+              </a:ext>
+            </a:extLst>
+          </p:cNvPr>
+          <p:cNvCxnSpPr>
+            <a:stCxn id="9" idx="2"/>
+            <a:endCxn id="41" idx="0"/>
+          </p:cNvCxnSpPr>
+          <p:nvPr/>
+        </p:nvCxnSpPr>
+        <p:spPr>
+          <a:xfrm rot="16200000" flipH="1">
+            <a:off x="3805567" y="1366367"/>
+            <a:ext cx="605941" cy="1654952"/>
+          </a:xfrm>
+          <a:prstGeom prst="bentConnector3">
+            <a:avLst>
+              <a:gd name="adj1" fmla="val 64651"/>
+            </a:avLst>
+          </a:prstGeom>
+        </p:spPr>
+        <p:style>
+          <a:lnRef idx="1">
+            <a:schemeClr val="dk1"/>
+          </a:lnRef>
+          <a:fillRef idx="0">
+            <a:schemeClr val="dk1"/>
+          </a:fillRef>
+          <a:effectRef idx="0">
+            <a:schemeClr val="dk1"/>
+          </a:effectRef>
+          <a:fontRef idx="minor">
+            <a:schemeClr val="tx1"/>
+          </a:fontRef>
+        </p:style>
+      </p:cxnSp>
+      <p:cxnSp>
+        <p:nvCxnSpPr>
+          <p:cNvPr id="87" name="Conector: angular 86">
+            <a:extLst>
+              <a:ext uri="{FF2B5EF4-FFF2-40B4-BE49-F238E27FC236}">
+                <a16:creationId xmlns:a16="http://schemas.microsoft.com/office/drawing/2014/main" id="{D79A7A76-D8FD-4843-946D-BD0224BEC22D}"/>
+              </a:ext>
+            </a:extLst>
+          </p:cNvPr>
+          <p:cNvCxnSpPr>
+            <a:stCxn id="9" idx="2"/>
+            <a:endCxn id="59" idx="0"/>
+          </p:cNvCxnSpPr>
+          <p:nvPr/>
+        </p:nvCxnSpPr>
+        <p:spPr>
+          <a:xfrm rot="16200000" flipH="1">
+            <a:off x="4675234" y="496700"/>
+            <a:ext cx="681639" cy="3469984"/>
+          </a:xfrm>
+          <a:prstGeom prst="bentConnector3">
+            <a:avLst>
+              <a:gd name="adj1" fmla="val 57814"/>
+            </a:avLst>
+          </a:prstGeom>
+        </p:spPr>
+        <p:style>
+          <a:lnRef idx="1">
+            <a:schemeClr val="dk1"/>
+          </a:lnRef>
+          <a:fillRef idx="0">
+            <a:schemeClr val="dk1"/>
+          </a:fillRef>
+          <a:effectRef idx="0">
+            <a:schemeClr val="dk1"/>
+          </a:effectRef>
+          <a:fontRef idx="minor">
+            <a:schemeClr val="tx1"/>
+          </a:fontRef>
+        </p:style>
+      </p:cxnSp>
+      <p:cxnSp>
+        <p:nvCxnSpPr>
+          <p:cNvPr id="93" name="Conector: angular 92">
+            <a:extLst>
+              <a:ext uri="{FF2B5EF4-FFF2-40B4-BE49-F238E27FC236}">
+                <a16:creationId xmlns:a16="http://schemas.microsoft.com/office/drawing/2014/main" id="{D837A766-9B31-419D-8246-F3F2EA0C2EEB}"/>
+              </a:ext>
+            </a:extLst>
+          </p:cNvPr>
+          <p:cNvCxnSpPr>
+            <a:stCxn id="9" idx="2"/>
+            <a:endCxn id="62" idx="0"/>
+          </p:cNvCxnSpPr>
+          <p:nvPr/>
+        </p:nvCxnSpPr>
+        <p:spPr>
+          <a:xfrm rot="16200000" flipH="1">
+            <a:off x="5644547" y="-472614"/>
+            <a:ext cx="681638" cy="5408611"/>
+          </a:xfrm>
+          <a:prstGeom prst="bentConnector3">
+            <a:avLst>
+              <a:gd name="adj1" fmla="val 56512"/>
+            </a:avLst>
+          </a:prstGeom>
+        </p:spPr>
+        <p:style>
+          <a:lnRef idx="1">
+            <a:schemeClr val="dk1"/>
+          </a:lnRef>
+          <a:fillRef idx="0">
+            <a:schemeClr val="dk1"/>
+          </a:fillRef>
+          <a:effectRef idx="0">
+            <a:schemeClr val="dk1"/>
+          </a:effectRef>
+          <a:fontRef idx="minor">
+            <a:schemeClr val="tx1"/>
+          </a:fontRef>
+        </p:style>
+      </p:cxnSp>
+      <p:cxnSp>
+        <p:nvCxnSpPr>
+          <p:cNvPr id="103" name="Conector: angular 102">
+            <a:extLst>
+              <a:ext uri="{FF2B5EF4-FFF2-40B4-BE49-F238E27FC236}">
+                <a16:creationId xmlns:a16="http://schemas.microsoft.com/office/drawing/2014/main" id="{CD404E7B-4114-4290-BF7F-F14273387453}"/>
+              </a:ext>
+            </a:extLst>
+          </p:cNvPr>
+          <p:cNvCxnSpPr>
+            <a:stCxn id="6" idx="2"/>
+            <a:endCxn id="118" idx="0"/>
+          </p:cNvCxnSpPr>
+          <p:nvPr/>
+        </p:nvCxnSpPr>
+        <p:spPr>
+          <a:xfrm rot="16200000" flipH="1">
+            <a:off x="8084593" y="-1151152"/>
+            <a:ext cx="473674" cy="4977639"/>
+          </a:xfrm>
+          <a:prstGeom prst="bentConnector3">
+            <a:avLst>
+              <a:gd name="adj1" fmla="val 40629"/>
+            </a:avLst>
           </a:prstGeom>
         </p:spPr>
         <p:style>

--- a/WBS.pptx
+++ b/WBS.pptx
@@ -1150,7 +1150,7 @@
           <a:p>
             <a:fld id="{CF746411-B98A-4D5C-9300-A6EA57F32CD8}" type="datetimeFigureOut">
               <a:rPr lang="es-ES" smtClean="0"/>
-              <a:t>13/06/2021</a:t>
+              <a:t>14/06/2021</a:t>
             </a:fld>
             <a:endParaRPr lang="es-ES" dirty="0"/>
           </a:p>
@@ -1204,7 +1204,7 @@
           <a:p>
             <a:fld id="{29535247-290F-434C-A32E-62AF34DA6546}" type="slidenum">
               <a:rPr lang="es-ES" smtClean="0"/>
-              <a:t>‹Nº›</a:t>
+              <a:t>‹#›</a:t>
             </a:fld>
             <a:endParaRPr lang="es-ES" dirty="0"/>
           </a:p>
@@ -1348,7 +1348,7 @@
           <a:p>
             <a:fld id="{CF746411-B98A-4D5C-9300-A6EA57F32CD8}" type="datetimeFigureOut">
               <a:rPr lang="es-ES" smtClean="0"/>
-              <a:t>13/06/2021</a:t>
+              <a:t>14/06/2021</a:t>
             </a:fld>
             <a:endParaRPr lang="es-ES" dirty="0"/>
           </a:p>
@@ -1402,7 +1402,7 @@
           <a:p>
             <a:fld id="{29535247-290F-434C-A32E-62AF34DA6546}" type="slidenum">
               <a:rPr lang="es-ES" smtClean="0"/>
-              <a:t>‹Nº›</a:t>
+              <a:t>‹#›</a:t>
             </a:fld>
             <a:endParaRPr lang="es-ES" dirty="0"/>
           </a:p>
@@ -1556,7 +1556,7 @@
           <a:p>
             <a:fld id="{CF746411-B98A-4D5C-9300-A6EA57F32CD8}" type="datetimeFigureOut">
               <a:rPr lang="es-ES" smtClean="0"/>
-              <a:t>13/06/2021</a:t>
+              <a:t>14/06/2021</a:t>
             </a:fld>
             <a:endParaRPr lang="es-ES" dirty="0"/>
           </a:p>
@@ -1610,7 +1610,7 @@
           <a:p>
             <a:fld id="{29535247-290F-434C-A32E-62AF34DA6546}" type="slidenum">
               <a:rPr lang="es-ES" smtClean="0"/>
-              <a:t>‹Nº›</a:t>
+              <a:t>‹#›</a:t>
             </a:fld>
             <a:endParaRPr lang="es-ES" dirty="0"/>
           </a:p>
@@ -1754,7 +1754,7 @@
           <a:p>
             <a:fld id="{CF746411-B98A-4D5C-9300-A6EA57F32CD8}" type="datetimeFigureOut">
               <a:rPr lang="es-ES" smtClean="0"/>
-              <a:t>13/06/2021</a:t>
+              <a:t>14/06/2021</a:t>
             </a:fld>
             <a:endParaRPr lang="es-ES" dirty="0"/>
           </a:p>
@@ -1808,7 +1808,7 @@
           <a:p>
             <a:fld id="{29535247-290F-434C-A32E-62AF34DA6546}" type="slidenum">
               <a:rPr lang="es-ES" smtClean="0"/>
-              <a:t>‹Nº›</a:t>
+              <a:t>‹#›</a:t>
             </a:fld>
             <a:endParaRPr lang="es-ES" dirty="0"/>
           </a:p>
@@ -2029,7 +2029,7 @@
           <a:p>
             <a:fld id="{CF746411-B98A-4D5C-9300-A6EA57F32CD8}" type="datetimeFigureOut">
               <a:rPr lang="es-ES" smtClean="0"/>
-              <a:t>13/06/2021</a:t>
+              <a:t>14/06/2021</a:t>
             </a:fld>
             <a:endParaRPr lang="es-ES" dirty="0"/>
           </a:p>
@@ -2083,7 +2083,7 @@
           <a:p>
             <a:fld id="{29535247-290F-434C-A32E-62AF34DA6546}" type="slidenum">
               <a:rPr lang="es-ES" smtClean="0"/>
-              <a:t>‹Nº›</a:t>
+              <a:t>‹#›</a:t>
             </a:fld>
             <a:endParaRPr lang="es-ES" dirty="0"/>
           </a:p>
@@ -2294,7 +2294,7 @@
           <a:p>
             <a:fld id="{CF746411-B98A-4D5C-9300-A6EA57F32CD8}" type="datetimeFigureOut">
               <a:rPr lang="es-ES" smtClean="0"/>
-              <a:t>13/06/2021</a:t>
+              <a:t>14/06/2021</a:t>
             </a:fld>
             <a:endParaRPr lang="es-ES" dirty="0"/>
           </a:p>
@@ -2348,7 +2348,7 @@
           <a:p>
             <a:fld id="{29535247-290F-434C-A32E-62AF34DA6546}" type="slidenum">
               <a:rPr lang="es-ES" smtClean="0"/>
-              <a:t>‹Nº›</a:t>
+              <a:t>‹#›</a:t>
             </a:fld>
             <a:endParaRPr lang="es-ES" dirty="0"/>
           </a:p>
@@ -2706,7 +2706,7 @@
           <a:p>
             <a:fld id="{CF746411-B98A-4D5C-9300-A6EA57F32CD8}" type="datetimeFigureOut">
               <a:rPr lang="es-ES" smtClean="0"/>
-              <a:t>13/06/2021</a:t>
+              <a:t>14/06/2021</a:t>
             </a:fld>
             <a:endParaRPr lang="es-ES" dirty="0"/>
           </a:p>
@@ -2760,7 +2760,7 @@
           <a:p>
             <a:fld id="{29535247-290F-434C-A32E-62AF34DA6546}" type="slidenum">
               <a:rPr lang="es-ES" smtClean="0"/>
-              <a:t>‹Nº›</a:t>
+              <a:t>‹#›</a:t>
             </a:fld>
             <a:endParaRPr lang="es-ES" dirty="0"/>
           </a:p>
@@ -2847,7 +2847,7 @@
           <a:p>
             <a:fld id="{CF746411-B98A-4D5C-9300-A6EA57F32CD8}" type="datetimeFigureOut">
               <a:rPr lang="es-ES" smtClean="0"/>
-              <a:t>13/06/2021</a:t>
+              <a:t>14/06/2021</a:t>
             </a:fld>
             <a:endParaRPr lang="es-ES" dirty="0"/>
           </a:p>
@@ -2901,7 +2901,7 @@
           <a:p>
             <a:fld id="{29535247-290F-434C-A32E-62AF34DA6546}" type="slidenum">
               <a:rPr lang="es-ES" smtClean="0"/>
-              <a:t>‹Nº›</a:t>
+              <a:t>‹#›</a:t>
             </a:fld>
             <a:endParaRPr lang="es-ES" dirty="0"/>
           </a:p>
@@ -2960,7 +2960,7 @@
           <a:p>
             <a:fld id="{CF746411-B98A-4D5C-9300-A6EA57F32CD8}" type="datetimeFigureOut">
               <a:rPr lang="es-ES" smtClean="0"/>
-              <a:t>13/06/2021</a:t>
+              <a:t>14/06/2021</a:t>
             </a:fld>
             <a:endParaRPr lang="es-ES" dirty="0"/>
           </a:p>
@@ -3014,7 +3014,7 @@
           <a:p>
             <a:fld id="{29535247-290F-434C-A32E-62AF34DA6546}" type="slidenum">
               <a:rPr lang="es-ES" smtClean="0"/>
-              <a:t>‹Nº›</a:t>
+              <a:t>‹#›</a:t>
             </a:fld>
             <a:endParaRPr lang="es-ES" dirty="0"/>
           </a:p>
@@ -3271,7 +3271,7 @@
           <a:p>
             <a:fld id="{CF746411-B98A-4D5C-9300-A6EA57F32CD8}" type="datetimeFigureOut">
               <a:rPr lang="es-ES" smtClean="0"/>
-              <a:t>13/06/2021</a:t>
+              <a:t>14/06/2021</a:t>
             </a:fld>
             <a:endParaRPr lang="es-ES" dirty="0"/>
           </a:p>
@@ -3325,7 +3325,7 @@
           <a:p>
             <a:fld id="{29535247-290F-434C-A32E-62AF34DA6546}" type="slidenum">
               <a:rPr lang="es-ES" smtClean="0"/>
-              <a:t>‹Nº›</a:t>
+              <a:t>‹#›</a:t>
             </a:fld>
             <a:endParaRPr lang="es-ES" dirty="0"/>
           </a:p>
@@ -3559,7 +3559,7 @@
           <a:p>
             <a:fld id="{CF746411-B98A-4D5C-9300-A6EA57F32CD8}" type="datetimeFigureOut">
               <a:rPr lang="es-ES" smtClean="0"/>
-              <a:t>13/06/2021</a:t>
+              <a:t>14/06/2021</a:t>
             </a:fld>
             <a:endParaRPr lang="es-ES" dirty="0"/>
           </a:p>
@@ -3613,7 +3613,7 @@
           <a:p>
             <a:fld id="{29535247-290F-434C-A32E-62AF34DA6546}" type="slidenum">
               <a:rPr lang="es-ES" smtClean="0"/>
-              <a:t>‹Nº›</a:t>
+              <a:t>‹#›</a:t>
             </a:fld>
             <a:endParaRPr lang="es-ES" dirty="0"/>
           </a:p>
@@ -3800,7 +3800,7 @@
           <a:p>
             <a:fld id="{CF746411-B98A-4D5C-9300-A6EA57F32CD8}" type="datetimeFigureOut">
               <a:rPr lang="es-ES" smtClean="0"/>
-              <a:t>13/06/2021</a:t>
+              <a:t>14/06/2021</a:t>
             </a:fld>
             <a:endParaRPr lang="es-ES" dirty="0"/>
           </a:p>
@@ -3890,7 +3890,7 @@
           <a:p>
             <a:fld id="{29535247-290F-434C-A32E-62AF34DA6546}" type="slidenum">
               <a:rPr lang="es-ES" smtClean="0"/>
-              <a:t>‹Nº›</a:t>
+              <a:t>‹#›</a:t>
             </a:fld>
             <a:endParaRPr lang="es-ES" dirty="0"/>
           </a:p>
@@ -4651,7 +4651,7 @@
                 </a:spcAft>
               </a:pPr>
               <a:r>
-                <a:rPr lang="en-US" sz="1000" b="1" dirty="0" err="1">
+                <a:rPr lang="es-ES" sz="1000" b="1">
                   <a:solidFill>
                     <a:schemeClr val="tx1"/>
                   </a:solidFill>
@@ -4661,14 +4661,6 @@
                 </a:rPr>
                 <a:t>Potencia</a:t>
               </a:r>
-              <a:endParaRPr lang="en-US" sz="1000" b="1" dirty="0">
-                <a:solidFill>
-                  <a:schemeClr val="tx1"/>
-                </a:solidFill>
-                <a:latin typeface="Calibri" panose="020F0502020204030204"/>
-                <a:ea typeface="+mn-ea"/>
-                <a:cs typeface="+mn-cs"/>
-              </a:endParaRPr>
             </a:p>
             <a:p>
               <a:pPr algn="r" defTabSz="222250">
@@ -4683,7 +4675,7 @@
                 </a:spcAft>
               </a:pPr>
               <a:r>
-                <a:rPr lang="en-US" sz="700" i="1" kern="1200" noProof="0" dirty="0">
+                <a:rPr lang="es-ES" sz="700" i="1" kern="1200" noProof="0">
                   <a:solidFill>
                     <a:schemeClr val="tx1"/>
                   </a:solidFill>
@@ -4691,7 +4683,7 @@
                 </a:rPr>
                 <a:t>EPS</a:t>
               </a:r>
-              <a:endParaRPr lang="en-US" sz="700" i="1" kern="1200" noProof="0" dirty="0">
+              <a:endParaRPr lang="es-ES" sz="700" i="1" kern="1200" noProof="0" dirty="0">
                 <a:solidFill>
                   <a:schemeClr val="tx1"/>
                 </a:solidFill>
@@ -4828,38 +4820,14 @@
                 </a:spcAft>
               </a:pPr>
               <a:r>
-                <a:rPr lang="en-US" sz="1000" kern="1200" noProof="0" dirty="0" err="1">
+                <a:rPr lang="es-ES" sz="1000" kern="1200" noProof="0">
                   <a:solidFill>
                     <a:schemeClr val="tx1"/>
                   </a:solidFill>
                   <a:latin typeface="Calibri" panose="020F0502020204030204"/>
                 </a:rPr>
-                <a:t>Paneles</a:t>
+                <a:t>Paneles Solares</a:t>
               </a:r>
-              <a:r>
-                <a:rPr lang="en-US" sz="1000" kern="1200" noProof="0" dirty="0">
-                  <a:solidFill>
-                    <a:schemeClr val="tx1"/>
-                  </a:solidFill>
-                  <a:latin typeface="Calibri" panose="020F0502020204030204"/>
-                </a:rPr>
-                <a:t> </a:t>
-              </a:r>
-              <a:r>
-                <a:rPr lang="en-US" sz="1000" kern="1200" noProof="0" dirty="0" err="1">
-                  <a:solidFill>
-                    <a:schemeClr val="tx1"/>
-                  </a:solidFill>
-                  <a:latin typeface="Calibri" panose="020F0502020204030204"/>
-                </a:rPr>
-                <a:t>Solares</a:t>
-              </a:r>
-              <a:endParaRPr lang="en-US" sz="1000" kern="1200" noProof="0" dirty="0">
-                <a:solidFill>
-                  <a:schemeClr val="tx1"/>
-                </a:solidFill>
-                <a:latin typeface="Calibri" panose="020F0502020204030204"/>
-              </a:endParaRPr>
             </a:p>
             <a:p>
               <a:pPr algn="r" defTabSz="222250">
@@ -4874,7 +4842,7 @@
                 </a:spcAft>
               </a:pPr>
               <a:r>
-                <a:rPr lang="en-US" sz="700" i="1" dirty="0">
+                <a:rPr lang="es-ES" sz="700" i="1">
                   <a:solidFill>
                     <a:schemeClr val="tx1"/>
                   </a:solidFill>
@@ -4884,7 +4852,7 @@
                 </a:rPr>
                 <a:t>EPS 1</a:t>
               </a:r>
-              <a:endParaRPr lang="en-US" sz="700" i="1" kern="1200" noProof="0" dirty="0">
+              <a:endParaRPr lang="es-ES" sz="700" i="1" kern="1200" noProof="0" dirty="0">
                 <a:solidFill>
                   <a:schemeClr val="tx1"/>
                 </a:solidFill>
@@ -5021,7 +4989,7 @@
                 </a:spcAft>
               </a:pPr>
               <a:r>
-                <a:rPr lang="en-US" sz="1000" kern="1200" noProof="0" dirty="0" err="1">
+                <a:rPr lang="es-ES" sz="1000" kern="1200" noProof="0">
                   <a:solidFill>
                     <a:schemeClr val="tx1"/>
                   </a:solidFill>
@@ -5029,12 +4997,6 @@
                 </a:rPr>
                 <a:t>Batería</a:t>
               </a:r>
-              <a:endParaRPr lang="en-US" sz="1000" kern="1200" noProof="0" dirty="0">
-                <a:solidFill>
-                  <a:schemeClr val="tx1"/>
-                </a:solidFill>
-                <a:latin typeface="Calibri" panose="020F0502020204030204"/>
-              </a:endParaRPr>
             </a:p>
             <a:p>
               <a:pPr algn="r" defTabSz="222250">
@@ -5049,7 +5011,7 @@
                 </a:spcAft>
               </a:pPr>
               <a:r>
-                <a:rPr lang="en-US" sz="700" i="1" dirty="0">
+                <a:rPr lang="es-ES" sz="700" i="1">
                   <a:solidFill>
                     <a:schemeClr val="tx1"/>
                   </a:solidFill>
@@ -5059,7 +5021,7 @@
                 </a:rPr>
                 <a:t>EPS 2</a:t>
               </a:r>
-              <a:endParaRPr lang="en-US" sz="700" i="1" kern="1200" noProof="0" dirty="0">
+              <a:endParaRPr lang="es-ES" sz="700" i="1" kern="1200" noProof="0" dirty="0">
                 <a:solidFill>
                   <a:schemeClr val="tx1"/>
                 </a:solidFill>
@@ -5196,7 +5158,7 @@
                 </a:spcAft>
               </a:pPr>
               <a:r>
-                <a:rPr lang="en-US" sz="1000" kern="1200" noProof="0" dirty="0" err="1">
+                <a:rPr lang="es-ES" sz="1000" kern="1200" noProof="0">
                   <a:solidFill>
                     <a:schemeClr val="tx1"/>
                   </a:solidFill>
@@ -5204,20 +5166,9 @@
                   <a:ea typeface="+mn-ea"/>
                   <a:cs typeface="+mn-cs"/>
                 </a:rPr>
-                <a:t>Conversores</a:t>
+                <a:t>Conversores DC/DC</a:t>
               </a:r>
-              <a:r>
-                <a:rPr lang="en-US" sz="1000" kern="1200" noProof="0" dirty="0">
-                  <a:solidFill>
-                    <a:schemeClr val="tx1"/>
-                  </a:solidFill>
-                  <a:latin typeface="Calibri" panose="020F0502020204030204"/>
-                  <a:ea typeface="+mn-ea"/>
-                  <a:cs typeface="+mn-cs"/>
-                </a:rPr>
-                <a:t> DC/DC</a:t>
-              </a:r>
-              <a:endParaRPr lang="en-US" sz="1000" i="1" kern="1200" noProof="0" dirty="0">
+              <a:endParaRPr lang="es-ES" sz="1000" i="1" kern="1200" noProof="0">
                 <a:solidFill>
                   <a:schemeClr val="tx1"/>
                 </a:solidFill>
@@ -5239,7 +5190,7 @@
                 </a:spcAft>
               </a:pPr>
               <a:r>
-                <a:rPr lang="en-US" sz="700" i="1" dirty="0">
+                <a:rPr lang="es-ES" sz="700" i="1">
                   <a:solidFill>
                     <a:schemeClr val="tx1"/>
                   </a:solidFill>
@@ -5247,7 +5198,7 @@
                 </a:rPr>
                 <a:t>EPS 3</a:t>
               </a:r>
-              <a:endParaRPr lang="en-US" sz="700" i="1" kern="1200" noProof="0" dirty="0">
+              <a:endParaRPr lang="es-ES" sz="700" i="1" kern="1200" noProof="0" dirty="0">
                 <a:solidFill>
                   <a:schemeClr val="tx1"/>
                 </a:solidFill>
@@ -5502,18 +5453,13 @@
                 </a:spcAft>
               </a:pPr>
               <a:r>
-                <a:rPr lang="en-US" sz="1000" b="1" kern="1200" noProof="0" dirty="0" err="1">
+                <a:rPr lang="es-ES" sz="1000" b="1" kern="1200" noProof="0">
                   <a:solidFill>
                     <a:schemeClr val="tx1"/>
                   </a:solidFill>
                 </a:rPr>
                 <a:t>Estructura</a:t>
               </a:r>
-              <a:endParaRPr lang="en-US" sz="1000" b="1" kern="1200" noProof="0" dirty="0">
-                <a:solidFill>
-                  <a:schemeClr val="tx1"/>
-                </a:solidFill>
-              </a:endParaRPr>
             </a:p>
             <a:p>
               <a:pPr algn="r" defTabSz="222250">
@@ -5528,7 +5474,7 @@
                 </a:spcAft>
               </a:pPr>
               <a:r>
-                <a:rPr lang="en-US" sz="700" i="1" dirty="0">
+                <a:rPr lang="es-ES" sz="700" i="1">
                   <a:solidFill>
                     <a:schemeClr val="tx1"/>
                   </a:solidFill>
@@ -5538,7 +5484,7 @@
                 </a:rPr>
                 <a:t>STC </a:t>
               </a:r>
-              <a:endParaRPr lang="en-US" sz="700" i="1" kern="1200" noProof="0" dirty="0">
+              <a:endParaRPr lang="es-ES" sz="700" i="1" kern="1200" noProof="0" dirty="0">
                 <a:solidFill>
                   <a:schemeClr val="tx1"/>
                 </a:solidFill>
@@ -5675,7 +5621,7 @@
                 </a:spcAft>
               </a:pPr>
               <a:r>
-                <a:rPr lang="en-US" sz="1000" b="1" dirty="0" err="1">
+                <a:rPr lang="es-ES" sz="1000" b="1">
                   <a:solidFill>
                     <a:schemeClr val="tx1"/>
                   </a:solidFill>
@@ -5683,38 +5629,8 @@
                   <a:ea typeface="+mn-ea"/>
                   <a:cs typeface="+mn-cs"/>
                 </a:rPr>
-                <a:t>Determinación</a:t>
+                <a:t>Determinación y Control de Actitud</a:t>
               </a:r>
-              <a:r>
-                <a:rPr lang="en-US" sz="1000" b="1" dirty="0">
-                  <a:solidFill>
-                    <a:schemeClr val="tx1"/>
-                  </a:solidFill>
-                  <a:latin typeface="Calibri" panose="020F0502020204030204"/>
-                  <a:ea typeface="+mn-ea"/>
-                  <a:cs typeface="+mn-cs"/>
-                </a:rPr>
-                <a:t> y Control de </a:t>
-              </a:r>
-              <a:r>
-                <a:rPr lang="en-US" sz="1000" b="1" dirty="0" err="1">
-                  <a:solidFill>
-                    <a:schemeClr val="tx1"/>
-                  </a:solidFill>
-                  <a:latin typeface="Calibri" panose="020F0502020204030204"/>
-                  <a:ea typeface="+mn-ea"/>
-                  <a:cs typeface="+mn-cs"/>
-                </a:rPr>
-                <a:t>Actitud</a:t>
-              </a:r>
-              <a:endParaRPr lang="en-US" sz="1000" b="1" dirty="0">
-                <a:solidFill>
-                  <a:schemeClr val="tx1"/>
-                </a:solidFill>
-                <a:latin typeface="Calibri" panose="020F0502020204030204"/>
-                <a:ea typeface="+mn-ea"/>
-                <a:cs typeface="+mn-cs"/>
-              </a:endParaRPr>
             </a:p>
             <a:p>
               <a:pPr algn="r" defTabSz="222250">
@@ -5729,7 +5645,7 @@
                 </a:spcAft>
               </a:pPr>
               <a:r>
-                <a:rPr lang="en-US" sz="700" i="1" kern="1200" noProof="0" dirty="0">
+                <a:rPr lang="es-ES" sz="700" i="1" kern="1200" noProof="0">
                   <a:solidFill>
                     <a:schemeClr val="tx1"/>
                   </a:solidFill>
@@ -5737,7 +5653,7 @@
                 </a:rPr>
                 <a:t>ADCS</a:t>
               </a:r>
-              <a:endParaRPr lang="en-US" sz="700" i="1" kern="1200" noProof="0" dirty="0">
+              <a:endParaRPr lang="es-ES" sz="700" i="1" kern="1200" noProof="0" dirty="0">
                 <a:solidFill>
                   <a:schemeClr val="tx1"/>
                 </a:solidFill>
@@ -5874,7 +5790,7 @@
                 </a:spcAft>
               </a:pPr>
               <a:r>
-                <a:rPr lang="en-US" sz="1000" b="1" dirty="0" err="1">
+                <a:rPr lang="es-ES" sz="1000" b="1">
                   <a:solidFill>
                     <a:schemeClr val="tx1"/>
                   </a:solidFill>
@@ -5882,47 +5798,16 @@
                   <a:ea typeface="+mn-ea"/>
                   <a:cs typeface="+mn-cs"/>
                 </a:rPr>
-                <a:t>Ordenador</a:t>
+                <a:t>Ordenador de a bo</a:t>
               </a:r>
               <a:r>
-                <a:rPr lang="en-US" sz="1000" b="1" dirty="0">
-                  <a:solidFill>
-                    <a:schemeClr val="tx1"/>
-                  </a:solidFill>
-                  <a:latin typeface="Calibri" panose="020F0502020204030204"/>
-                  <a:ea typeface="+mn-ea"/>
-                  <a:cs typeface="+mn-cs"/>
-                </a:rPr>
-                <a:t> de a </a:t>
-              </a:r>
-              <a:r>
-                <a:rPr lang="en-US" sz="1000" b="1" dirty="0" err="1">
-                  <a:solidFill>
-                    <a:schemeClr val="tx1"/>
-                  </a:solidFill>
-                  <a:latin typeface="Calibri" panose="020F0502020204030204"/>
-                  <a:ea typeface="+mn-ea"/>
-                  <a:cs typeface="+mn-cs"/>
-                </a:rPr>
-                <a:t>bo</a:t>
-              </a:r>
-              <a:r>
-                <a:rPr lang="en-US" sz="1000" b="1" dirty="0" err="1">
+                <a:rPr lang="es-ES" sz="1000" b="1">
                   <a:solidFill>
                     <a:schemeClr val="tx1"/>
                   </a:solidFill>
                   <a:latin typeface="Calibri" panose="020F0502020204030204"/>
                 </a:rPr>
-                <a:t>rdo</a:t>
-              </a:r>
-              <a:r>
-                <a:rPr lang="en-US" sz="1000" b="1" dirty="0">
-                  <a:solidFill>
-                    <a:schemeClr val="tx1"/>
-                  </a:solidFill>
-                  <a:latin typeface="Calibri" panose="020F0502020204030204"/>
-                </a:rPr>
-                <a:t> </a:t>
+                <a:t>rdo </a:t>
               </a:r>
             </a:p>
             <a:p>
@@ -5938,7 +5823,7 @@
                 </a:spcAft>
               </a:pPr>
               <a:r>
-                <a:rPr lang="en-US" sz="700" kern="1200" noProof="0" dirty="0">
+                <a:rPr lang="es-ES" sz="700" kern="1200" noProof="0">
                   <a:solidFill>
                     <a:schemeClr val="tx1"/>
                   </a:solidFill>
@@ -5948,6 +5833,14 @@
                 </a:rPr>
                 <a:t>OBC</a:t>
               </a:r>
+              <a:endParaRPr lang="es-ES" sz="700" kern="1200" noProof="0" dirty="0">
+                <a:solidFill>
+                  <a:schemeClr val="tx1"/>
+                </a:solidFill>
+                <a:latin typeface="Calibri" panose="020F0502020204030204"/>
+                <a:ea typeface="+mn-ea"/>
+                <a:cs typeface="+mn-cs"/>
+              </a:endParaRPr>
             </a:p>
           </p:txBody>
         </p:sp>
@@ -6077,7 +5970,7 @@
                 </a:spcAft>
               </a:pPr>
               <a:r>
-                <a:rPr lang="en-US" sz="1000" b="1" kern="1200" noProof="0" dirty="0">
+                <a:rPr lang="es-ES" sz="1000" b="1" kern="1200" noProof="0">
                   <a:solidFill>
                     <a:schemeClr val="tx1"/>
                   </a:solidFill>
@@ -6098,7 +5991,7 @@
                 </a:spcAft>
               </a:pPr>
               <a:r>
-                <a:rPr lang="en-US" sz="700" i="1" dirty="0">
+                <a:rPr lang="es-ES" sz="700" i="1">
                   <a:solidFill>
                     <a:schemeClr val="tx1"/>
                   </a:solidFill>
@@ -6108,7 +6001,7 @@
                 </a:rPr>
                 <a:t>COM</a:t>
               </a:r>
-              <a:endParaRPr lang="en-US" sz="700" i="1" kern="1200" noProof="0" dirty="0">
+              <a:endParaRPr lang="es-ES" sz="700" i="1" kern="1200" noProof="0" dirty="0">
                 <a:solidFill>
                   <a:schemeClr val="tx1"/>
                 </a:solidFill>
@@ -6303,7 +6196,7 @@
         <p:grpSpPr>
           <a:xfrm>
             <a:off x="5362763" y="3658459"/>
-            <a:ext cx="571216" cy="329791"/>
+            <a:ext cx="1070076" cy="329791"/>
             <a:chOff x="3276378" y="346098"/>
             <a:chExt cx="482458" cy="241229"/>
           </a:xfrm>
@@ -6418,7 +6311,7 @@
                     <a:schemeClr val="tx1"/>
                   </a:solidFill>
                 </a:rPr>
-                <a:t>S1</a:t>
+                <a:t>Sensor de Nadir</a:t>
               </a:r>
             </a:p>
             <a:p>
@@ -6586,7 +6479,7 @@
                     <a:schemeClr val="tx1"/>
                   </a:solidFill>
                 </a:rPr>
-                <a:t>S2</a:t>
+                <a:t>IMU</a:t>
               </a:r>
             </a:p>
             <a:p>
@@ -6807,7 +6700,7 @@
         <p:grpSpPr>
           <a:xfrm>
             <a:off x="5362761" y="5388511"/>
-            <a:ext cx="571215" cy="322101"/>
+            <a:ext cx="1070076" cy="322101"/>
             <a:chOff x="3276378" y="346098"/>
             <a:chExt cx="482458" cy="241229"/>
           </a:xfrm>
@@ -6917,12 +6810,12 @@
                 </a:spcAft>
               </a:pPr>
               <a:r>
-                <a:rPr lang="en-US" sz="1000" kern="1200" noProof="0" dirty="0">
+                <a:rPr lang="es-ES" sz="1000" kern="1200" noProof="0">
                   <a:solidFill>
                     <a:schemeClr val="tx1"/>
                   </a:solidFill>
                 </a:rPr>
-                <a:t>C1</a:t>
+                <a:t>Ruedas de reacción</a:t>
               </a:r>
             </a:p>
             <a:p>
@@ -6938,7 +6831,7 @@
                 </a:spcAft>
               </a:pPr>
               <a:r>
-                <a:rPr lang="en-US" sz="700" i="1" dirty="0">
+                <a:rPr lang="es-ES" sz="700" i="1">
                   <a:solidFill>
                     <a:schemeClr val="tx1"/>
                   </a:solidFill>
@@ -6948,7 +6841,7 @@
                 </a:rPr>
                 <a:t>ADCS 2.1</a:t>
               </a:r>
-              <a:endParaRPr lang="en-US" sz="700" i="1" kern="1200" noProof="0" dirty="0">
+              <a:endParaRPr lang="es-ES" sz="700" i="1" kern="1200" noProof="0" dirty="0">
                 <a:solidFill>
                   <a:schemeClr val="tx1"/>
                 </a:solidFill>
@@ -6975,7 +6868,7 @@
         <p:grpSpPr>
           <a:xfrm>
             <a:off x="5362760" y="5912206"/>
-            <a:ext cx="571215" cy="322101"/>
+            <a:ext cx="1070076" cy="322101"/>
             <a:chOff x="3276378" y="346098"/>
             <a:chExt cx="482458" cy="241229"/>
           </a:xfrm>
@@ -7085,21 +6978,18 @@
                 </a:spcAft>
               </a:pPr>
               <a:r>
-                <a:rPr lang="en-US" sz="1000" dirty="0">
+                <a:rPr lang="es-ES" sz="1000" dirty="0">
                   <a:solidFill>
                     <a:schemeClr val="tx1"/>
                   </a:solidFill>
                 </a:rPr>
-                <a:t>C</a:t>
+                <a:t>Magnetopares</a:t>
               </a:r>
-              <a:r>
-                <a:rPr lang="en-US" sz="1000" kern="1200" noProof="0" dirty="0">
-                  <a:solidFill>
-                    <a:schemeClr val="tx1"/>
-                  </a:solidFill>
-                </a:rPr>
-                <a:t>2</a:t>
-              </a:r>
+              <a:endParaRPr lang="es-ES" sz="1000" kern="1200" dirty="0">
+                <a:solidFill>
+                  <a:schemeClr val="tx1"/>
+                </a:solidFill>
+              </a:endParaRPr>
             </a:p>
             <a:p>
               <a:pPr algn="r" defTabSz="222250">
@@ -7192,8 +7082,8 @@
         </p:nvCxnSpPr>
         <p:spPr>
           <a:xfrm rot="16200000" flipH="1">
-            <a:off x="5218897" y="3679489"/>
-            <a:ext cx="164894" cy="122837"/>
+            <a:off x="5218895" y="3679487"/>
+            <a:ext cx="164894" cy="122842"/>
           </a:xfrm>
           <a:prstGeom prst="bentConnector2">
             <a:avLst/>
@@ -7308,8 +7198,8 @@
         </p:nvCxnSpPr>
         <p:spPr>
           <a:xfrm rot="16200000" flipH="1">
-            <a:off x="5190360" y="5377160"/>
-            <a:ext cx="253717" cy="91085"/>
+            <a:off x="5190359" y="5377160"/>
+            <a:ext cx="253718" cy="91085"/>
           </a:xfrm>
           <a:prstGeom prst="bentConnector2">
             <a:avLst/>
@@ -7347,8 +7237,8 @@
         </p:nvCxnSpPr>
         <p:spPr>
           <a:xfrm rot="16200000" flipH="1">
-            <a:off x="4856009" y="5566505"/>
-            <a:ext cx="922419" cy="91084"/>
+            <a:off x="4856008" y="5566505"/>
+            <a:ext cx="922420" cy="91083"/>
           </a:xfrm>
           <a:prstGeom prst="bentConnector2">
             <a:avLst/>
@@ -7494,18 +7384,13 @@
                 </a:spcAft>
               </a:pPr>
               <a:r>
-                <a:rPr lang="en-US" sz="1000" kern="1200" noProof="0" dirty="0" err="1">
+                <a:rPr lang="es-ES" sz="1000" kern="1200" noProof="0">
                   <a:solidFill>
                     <a:schemeClr val="tx1"/>
                   </a:solidFill>
                 </a:rPr>
                 <a:t>Transceptor</a:t>
               </a:r>
-              <a:endParaRPr lang="en-US" sz="1000" kern="1200" noProof="0" dirty="0">
-                <a:solidFill>
-                  <a:schemeClr val="tx1"/>
-                </a:solidFill>
-              </a:endParaRPr>
             </a:p>
             <a:p>
               <a:pPr algn="r" defTabSz="222250">
@@ -7520,7 +7405,7 @@
                 </a:spcAft>
               </a:pPr>
               <a:r>
-                <a:rPr lang="en-US" sz="700" i="1" dirty="0">
+                <a:rPr lang="es-ES" sz="700" i="1">
                   <a:solidFill>
                     <a:schemeClr val="tx1"/>
                   </a:solidFill>
@@ -7530,7 +7415,7 @@
                 </a:rPr>
                 <a:t>COM 1</a:t>
               </a:r>
-              <a:endParaRPr lang="en-US" sz="700" i="1" kern="1200" noProof="0" dirty="0">
+              <a:endParaRPr lang="es-ES" sz="700" i="1" kern="1200" noProof="0" dirty="0">
                 <a:solidFill>
                   <a:schemeClr val="tx1"/>
                 </a:solidFill>
@@ -7667,20 +7552,12 @@
                 </a:spcAft>
               </a:pPr>
               <a:r>
-                <a:rPr lang="en-US" sz="1000" kern="1200" noProof="0" dirty="0" err="1">
+                <a:rPr lang="es-ES" sz="1000" kern="1200" noProof="0">
                   <a:solidFill>
                     <a:schemeClr val="tx1"/>
                   </a:solidFill>
                 </a:rPr>
-                <a:t>Rasberry</a:t>
-              </a:r>
-              <a:r>
-                <a:rPr lang="en-US" sz="1000" kern="1200" noProof="0" dirty="0">
-                  <a:solidFill>
-                    <a:schemeClr val="tx1"/>
-                  </a:solidFill>
-                </a:rPr>
-                <a:t> pi</a:t>
+                <a:t>Rasberry pi</a:t>
               </a:r>
             </a:p>
             <a:p>
@@ -7696,7 +7573,7 @@
                 </a:spcAft>
               </a:pPr>
               <a:r>
-                <a:rPr lang="en-US" sz="700" i="1" dirty="0">
+                <a:rPr lang="es-ES" sz="700" i="1">
                   <a:solidFill>
                     <a:schemeClr val="tx1"/>
                   </a:solidFill>
@@ -7706,7 +7583,7 @@
                 </a:rPr>
                 <a:t>OBC 1</a:t>
               </a:r>
-              <a:endParaRPr lang="en-US" sz="700" i="1" kern="1200" noProof="0" dirty="0">
+              <a:endParaRPr lang="es-ES" sz="700" i="1" kern="1200" noProof="0" dirty="0">
                 <a:solidFill>
                   <a:schemeClr val="tx1"/>
                 </a:solidFill>
@@ -8089,18 +7966,13 @@
                 </a:spcAft>
               </a:pPr>
               <a:r>
-                <a:rPr lang="en-US" sz="1000" kern="1200" noProof="0" dirty="0" err="1">
+                <a:rPr lang="es-ES" sz="1000" kern="1200" noProof="0">
                   <a:solidFill>
                     <a:schemeClr val="tx1"/>
                   </a:solidFill>
                 </a:rPr>
                 <a:t>Antena</a:t>
               </a:r>
-              <a:endParaRPr lang="en-US" sz="1000" kern="1200" noProof="0" dirty="0">
-                <a:solidFill>
-                  <a:schemeClr val="tx1"/>
-                </a:solidFill>
-              </a:endParaRPr>
             </a:p>
             <a:p>
               <a:pPr algn="r" defTabSz="222250">
@@ -8115,7 +7987,7 @@
                 </a:spcAft>
               </a:pPr>
               <a:r>
-                <a:rPr lang="en-US" sz="700" i="1" kern="1200" noProof="0" dirty="0">
+                <a:rPr lang="es-ES" sz="700" i="1" kern="1200" noProof="0">
                   <a:solidFill>
                     <a:schemeClr val="tx1"/>
                   </a:solidFill>
@@ -8123,7 +7995,7 @@
                 </a:rPr>
                 <a:t>COM 2</a:t>
               </a:r>
-              <a:endParaRPr lang="en-US" sz="700" i="1" kern="1200" noProof="0" dirty="0">
+              <a:endParaRPr lang="es-ES" sz="700" i="1" kern="1200" noProof="0" dirty="0">
                 <a:solidFill>
                   <a:schemeClr val="tx1"/>
                 </a:solidFill>

--- a/WBS.pptx
+++ b/WBS.pptx
@@ -1204,7 +1204,7 @@
           <a:p>
             <a:fld id="{29535247-290F-434C-A32E-62AF34DA6546}" type="slidenum">
               <a:rPr lang="es-ES" smtClean="0"/>
-              <a:t>‹#›</a:t>
+              <a:t>‹Nº›</a:t>
             </a:fld>
             <a:endParaRPr lang="es-ES" dirty="0"/>
           </a:p>
@@ -1402,7 +1402,7 @@
           <a:p>
             <a:fld id="{29535247-290F-434C-A32E-62AF34DA6546}" type="slidenum">
               <a:rPr lang="es-ES" smtClean="0"/>
-              <a:t>‹#›</a:t>
+              <a:t>‹Nº›</a:t>
             </a:fld>
             <a:endParaRPr lang="es-ES" dirty="0"/>
           </a:p>
@@ -1610,7 +1610,7 @@
           <a:p>
             <a:fld id="{29535247-290F-434C-A32E-62AF34DA6546}" type="slidenum">
               <a:rPr lang="es-ES" smtClean="0"/>
-              <a:t>‹#›</a:t>
+              <a:t>‹Nº›</a:t>
             </a:fld>
             <a:endParaRPr lang="es-ES" dirty="0"/>
           </a:p>
@@ -1808,7 +1808,7 @@
           <a:p>
             <a:fld id="{29535247-290F-434C-A32E-62AF34DA6546}" type="slidenum">
               <a:rPr lang="es-ES" smtClean="0"/>
-              <a:t>‹#›</a:t>
+              <a:t>‹Nº›</a:t>
             </a:fld>
             <a:endParaRPr lang="es-ES" dirty="0"/>
           </a:p>
@@ -2083,7 +2083,7 @@
           <a:p>
             <a:fld id="{29535247-290F-434C-A32E-62AF34DA6546}" type="slidenum">
               <a:rPr lang="es-ES" smtClean="0"/>
-              <a:t>‹#›</a:t>
+              <a:t>‹Nº›</a:t>
             </a:fld>
             <a:endParaRPr lang="es-ES" dirty="0"/>
           </a:p>
@@ -2348,7 +2348,7 @@
           <a:p>
             <a:fld id="{29535247-290F-434C-A32E-62AF34DA6546}" type="slidenum">
               <a:rPr lang="es-ES" smtClean="0"/>
-              <a:t>‹#›</a:t>
+              <a:t>‹Nº›</a:t>
             </a:fld>
             <a:endParaRPr lang="es-ES" dirty="0"/>
           </a:p>
@@ -2760,7 +2760,7 @@
           <a:p>
             <a:fld id="{29535247-290F-434C-A32E-62AF34DA6546}" type="slidenum">
               <a:rPr lang="es-ES" smtClean="0"/>
-              <a:t>‹#›</a:t>
+              <a:t>‹Nº›</a:t>
             </a:fld>
             <a:endParaRPr lang="es-ES" dirty="0"/>
           </a:p>
@@ -2901,7 +2901,7 @@
           <a:p>
             <a:fld id="{29535247-290F-434C-A32E-62AF34DA6546}" type="slidenum">
               <a:rPr lang="es-ES" smtClean="0"/>
-              <a:t>‹#›</a:t>
+              <a:t>‹Nº›</a:t>
             </a:fld>
             <a:endParaRPr lang="es-ES" dirty="0"/>
           </a:p>
@@ -3014,7 +3014,7 @@
           <a:p>
             <a:fld id="{29535247-290F-434C-A32E-62AF34DA6546}" type="slidenum">
               <a:rPr lang="es-ES" smtClean="0"/>
-              <a:t>‹#›</a:t>
+              <a:t>‹Nº›</a:t>
             </a:fld>
             <a:endParaRPr lang="es-ES" dirty="0"/>
           </a:p>
@@ -3325,7 +3325,7 @@
           <a:p>
             <a:fld id="{29535247-290F-434C-A32E-62AF34DA6546}" type="slidenum">
               <a:rPr lang="es-ES" smtClean="0"/>
-              <a:t>‹#›</a:t>
+              <a:t>‹Nº›</a:t>
             </a:fld>
             <a:endParaRPr lang="es-ES" dirty="0"/>
           </a:p>
@@ -3613,7 +3613,7 @@
           <a:p>
             <a:fld id="{29535247-290F-434C-A32E-62AF34DA6546}" type="slidenum">
               <a:rPr lang="es-ES" smtClean="0"/>
-              <a:t>‹#›</a:t>
+              <a:t>‹Nº›</a:t>
             </a:fld>
             <a:endParaRPr lang="es-ES" dirty="0"/>
           </a:p>
@@ -3890,7 +3890,7 @@
           <a:p>
             <a:fld id="{29535247-290F-434C-A32E-62AF34DA6546}" type="slidenum">
               <a:rPr lang="es-ES" smtClean="0"/>
-              <a:t>‹#›</a:t>
+              <a:t>‹Nº›</a:t>
             </a:fld>
             <a:endParaRPr lang="es-ES" dirty="0"/>
           </a:p>
@@ -5790,7 +5790,7 @@
                 </a:spcAft>
               </a:pPr>
               <a:r>
-                <a:rPr lang="es-ES" sz="1000" b="1">
+                <a:rPr lang="es-ES" sz="1000" b="1" dirty="0">
                   <a:solidFill>
                     <a:schemeClr val="tx1"/>
                   </a:solidFill>
@@ -5801,7 +5801,7 @@
                 <a:t>Ordenador de a bo</a:t>
               </a:r>
               <a:r>
-                <a:rPr lang="es-ES" sz="1000" b="1">
+                <a:rPr lang="es-ES" sz="1000" b="1" dirty="0">
                   <a:solidFill>
                     <a:schemeClr val="tx1"/>
                   </a:solidFill>
@@ -5823,7 +5823,7 @@
                 </a:spcAft>
               </a:pPr>
               <a:r>
-                <a:rPr lang="es-ES" sz="700" kern="1200" noProof="0">
+                <a:rPr lang="es-ES" sz="700" kern="1200" noProof="0" dirty="0">
                   <a:solidFill>
                     <a:schemeClr val="tx1"/>
                   </a:solidFill>
@@ -5833,14 +5833,6 @@
                 </a:rPr>
                 <a:t>OBC</a:t>
               </a:r>
-              <a:endParaRPr lang="es-ES" sz="700" kern="1200" noProof="0" dirty="0">
-                <a:solidFill>
-                  <a:schemeClr val="tx1"/>
-                </a:solidFill>
-                <a:latin typeface="Calibri" panose="020F0502020204030204"/>
-                <a:ea typeface="+mn-ea"/>
-                <a:cs typeface="+mn-cs"/>
-              </a:endParaRPr>
             </a:p>
           </p:txBody>
         </p:sp>
@@ -7441,8 +7433,8 @@
         </p:nvGrpSpPr>
         <p:grpSpPr>
           <a:xfrm>
-            <a:off x="6926675" y="3177306"/>
-            <a:ext cx="795490" cy="258541"/>
+            <a:off x="6926675" y="3061982"/>
+            <a:ext cx="795490" cy="373865"/>
             <a:chOff x="3276378" y="346098"/>
             <a:chExt cx="482458" cy="241229"/>
           </a:xfrm>
@@ -7552,7 +7544,7 @@
                 </a:spcAft>
               </a:pPr>
               <a:r>
-                <a:rPr lang="es-ES" sz="1000" kern="1200" noProof="0">
+                <a:rPr lang="es-ES" sz="1000" kern="1200" noProof="0" dirty="0">
                   <a:solidFill>
                     <a:schemeClr val="tx1"/>
                   </a:solidFill>
@@ -7573,7 +7565,7 @@
                 </a:spcAft>
               </a:pPr>
               <a:r>
-                <a:rPr lang="es-ES" sz="700" i="1">
+                <a:rPr lang="es-ES" sz="700" i="1" dirty="0">
                   <a:solidFill>
                     <a:schemeClr val="tx1"/>
                   </a:solidFill>
@@ -7605,6 +7597,7 @@
             </a:extLst>
           </p:cNvPr>
           <p:cNvCxnSpPr>
+            <a:cxnSpLocks/>
             <a:stCxn id="59" idx="2"/>
             <a:endCxn id="100" idx="1"/>
           </p:cNvCxnSpPr>
@@ -7612,8 +7605,8 @@
         </p:nvCxnSpPr>
         <p:spPr>
           <a:xfrm rot="16200000" flipH="1">
-            <a:off x="6672208" y="3052110"/>
-            <a:ext cx="333304" cy="175630"/>
+            <a:off x="6701039" y="3023279"/>
+            <a:ext cx="275642" cy="175630"/>
           </a:xfrm>
           <a:prstGeom prst="bentConnector2">
             <a:avLst/>
@@ -8310,6 +8303,214 @@
             <a:avLst>
               <a:gd name="adj1" fmla="val 40629"/>
             </a:avLst>
+          </a:prstGeom>
+        </p:spPr>
+        <p:style>
+          <a:lnRef idx="1">
+            <a:schemeClr val="dk1"/>
+          </a:lnRef>
+          <a:fillRef idx="0">
+            <a:schemeClr val="dk1"/>
+          </a:fillRef>
+          <a:effectRef idx="0">
+            <a:schemeClr val="dk1"/>
+          </a:effectRef>
+          <a:fontRef idx="minor">
+            <a:schemeClr val="tx1"/>
+          </a:fontRef>
+        </p:style>
+      </p:cxnSp>
+      <p:grpSp>
+        <p:nvGrpSpPr>
+          <p:cNvPr id="91" name="Grupo 90">
+            <a:extLst>
+              <a:ext uri="{FF2B5EF4-FFF2-40B4-BE49-F238E27FC236}">
+                <a16:creationId xmlns:a16="http://schemas.microsoft.com/office/drawing/2014/main" id="{573C0B66-382A-4889-8F89-4877164EF33B}"/>
+              </a:ext>
+            </a:extLst>
+          </p:cNvPr>
+          <p:cNvGrpSpPr/>
+          <p:nvPr/>
+        </p:nvGrpSpPr>
+        <p:grpSpPr>
+          <a:xfrm>
+            <a:off x="6920932" y="3665990"/>
+            <a:ext cx="795490" cy="358080"/>
+            <a:chOff x="3276378" y="336344"/>
+            <a:chExt cx="482458" cy="250983"/>
+          </a:xfrm>
+          <a:noFill/>
+        </p:grpSpPr>
+        <p:sp>
+          <p:nvSpPr>
+            <p:cNvPr id="94" name="Rectángulo 93">
+              <a:extLst>
+                <a:ext uri="{FF2B5EF4-FFF2-40B4-BE49-F238E27FC236}">
+                  <a16:creationId xmlns:a16="http://schemas.microsoft.com/office/drawing/2014/main" id="{DF2B63B7-6A6C-4833-A3C3-911B8045CF4F}"/>
+                </a:ext>
+              </a:extLst>
+            </p:cNvPr>
+            <p:cNvSpPr/>
+            <p:nvPr/>
+          </p:nvSpPr>
+          <p:spPr>
+            <a:xfrm>
+              <a:off x="3276378" y="346098"/>
+              <a:ext cx="482458" cy="241229"/>
+            </a:xfrm>
+            <a:prstGeom prst="rect">
+              <a:avLst/>
+            </a:prstGeom>
+            <a:grpFill/>
+            <a:ln w="12700" cap="flat" cmpd="sng" algn="ctr">
+              <a:solidFill>
+                <a:schemeClr val="tx1"/>
+              </a:solidFill>
+              <a:prstDash val="solid"/>
+              <a:miter lim="800000"/>
+            </a:ln>
+            <a:effectLst/>
+          </p:spPr>
+          <p:style>
+            <a:lnRef idx="2">
+              <a:scrgbClr r="0" g="0" b="0"/>
+            </a:lnRef>
+            <a:fillRef idx="1">
+              <a:scrgbClr r="0" g="0" b="0"/>
+            </a:fillRef>
+            <a:effectRef idx="0">
+              <a:scrgbClr r="0" g="0" b="0"/>
+            </a:effectRef>
+            <a:fontRef idx="minor">
+              <a:schemeClr val="lt1"/>
+            </a:fontRef>
+          </p:style>
+        </p:sp>
+        <p:sp>
+          <p:nvSpPr>
+            <p:cNvPr id="101" name="CuadroTexto 100">
+              <a:extLst>
+                <a:ext uri="{FF2B5EF4-FFF2-40B4-BE49-F238E27FC236}">
+                  <a16:creationId xmlns:a16="http://schemas.microsoft.com/office/drawing/2014/main" id="{0D49FCF9-4B20-4B55-8499-F6E73A7C9328}"/>
+                </a:ext>
+              </a:extLst>
+            </p:cNvPr>
+            <p:cNvSpPr txBox="1"/>
+            <p:nvPr/>
+          </p:nvSpPr>
+          <p:spPr>
+            <a:xfrm>
+              <a:off x="3276378" y="336344"/>
+              <a:ext cx="482458" cy="250983"/>
+            </a:xfrm>
+            <a:prstGeom prst="rect">
+              <a:avLst/>
+            </a:prstGeom>
+            <a:grpFill/>
+            <a:ln>
+              <a:solidFill>
+                <a:schemeClr val="tx1"/>
+              </a:solidFill>
+            </a:ln>
+          </p:spPr>
+          <p:style>
+            <a:lnRef idx="0">
+              <a:scrgbClr r="0" g="0" b="0"/>
+            </a:lnRef>
+            <a:fillRef idx="0">
+              <a:scrgbClr r="0" g="0" b="0"/>
+            </a:fillRef>
+            <a:effectRef idx="0">
+              <a:scrgbClr r="0" g="0" b="0"/>
+            </a:effectRef>
+            <a:fontRef idx="minor">
+              <a:schemeClr val="lt1"/>
+            </a:fontRef>
+          </p:style>
+          <p:txBody>
+            <a:bodyPr spcFirstLastPara="0" vert="horz" wrap="square" lIns="4445" tIns="4445" rIns="4445" bIns="4445" numCol="1" spcCol="1270" anchor="ctr" anchorCtr="0">
+              <a:noAutofit/>
+            </a:bodyPr>
+            <a:lstStyle/>
+            <a:p>
+              <a:pPr algn="ctr" defTabSz="222250">
+                <a:lnSpc>
+                  <a:spcPct val="90000"/>
+                </a:lnSpc>
+                <a:spcBef>
+                  <a:spcPct val="0"/>
+                </a:spcBef>
+                <a:spcAft>
+                  <a:spcPct val="35000"/>
+                </a:spcAft>
+              </a:pPr>
+              <a:r>
+                <a:rPr lang="es-ES" sz="1000" kern="1200" noProof="0" dirty="0">
+                  <a:solidFill>
+                    <a:schemeClr val="tx1"/>
+                  </a:solidFill>
+                </a:rPr>
+                <a:t>ADC</a:t>
+              </a:r>
+            </a:p>
+            <a:p>
+              <a:pPr algn="r" defTabSz="222250">
+                <a:lnSpc>
+                  <a:spcPct val="90000"/>
+                </a:lnSpc>
+                <a:spcBef>
+                  <a:spcPct val="0"/>
+                </a:spcBef>
+                <a:spcAft>
+                  <a:spcPct val="35000"/>
+                </a:spcAft>
+              </a:pPr>
+              <a:r>
+                <a:rPr lang="es-ES" sz="700" i="1" dirty="0">
+                  <a:solidFill>
+                    <a:schemeClr val="tx1"/>
+                  </a:solidFill>
+                  <a:latin typeface="Calibri" panose="020F0502020204030204"/>
+                  <a:ea typeface="+mn-ea"/>
+                  <a:cs typeface="+mn-cs"/>
+                </a:rPr>
+                <a:t>OBC 2</a:t>
+              </a:r>
+              <a:endParaRPr lang="es-ES" sz="700" i="1" kern="1200" noProof="0" dirty="0">
+                <a:solidFill>
+                  <a:schemeClr val="tx1"/>
+                </a:solidFill>
+                <a:latin typeface="Calibri" panose="020F0502020204030204"/>
+                <a:ea typeface="+mn-ea"/>
+                <a:cs typeface="+mn-cs"/>
+              </a:endParaRPr>
+            </a:p>
+          </p:txBody>
+        </p:sp>
+      </p:grpSp>
+      <p:cxnSp>
+        <p:nvCxnSpPr>
+          <p:cNvPr id="102" name="Conector: angular 101">
+            <a:extLst>
+              <a:ext uri="{FF2B5EF4-FFF2-40B4-BE49-F238E27FC236}">
+                <a16:creationId xmlns:a16="http://schemas.microsoft.com/office/drawing/2014/main" id="{EC76CB27-60A3-480F-ABDE-8E1FFC5780C4}"/>
+              </a:ext>
+            </a:extLst>
+          </p:cNvPr>
+          <p:cNvCxnSpPr>
+            <a:cxnSpLocks/>
+            <a:stCxn id="59" idx="2"/>
+            <a:endCxn id="101" idx="1"/>
+          </p:cNvCxnSpPr>
+          <p:nvPr/>
+        </p:nvCxnSpPr>
+        <p:spPr>
+          <a:xfrm rot="16200000" flipH="1">
+            <a:off x="6400110" y="3324207"/>
+            <a:ext cx="871757" cy="169887"/>
+          </a:xfrm>
+          <a:prstGeom prst="bentConnector2">
+            <a:avLst/>
           </a:prstGeom>
         </p:spPr>
         <p:style>
